--- a/Sabalansētas ēdienkartes plānošana.pptx
+++ b/Sabalansētas ēdienkartes plānošana.pptx
@@ -2,10 +2,13 @@
 <file path=ppt/presentation.xml><?xml version="1.0" encoding="utf-8"?>
 <p:presentation xmlns:a="http://schemas.openxmlformats.org/drawingml/2006/main" xmlns:r="http://schemas.openxmlformats.org/officeDocument/2006/relationships" xmlns:p="http://schemas.openxmlformats.org/presentationml/2006/main" saveSubsetFonts="1">
   <p:sldMasterIdLst>
-    <p:sldMasterId id="2147483648" r:id="rId1"/>
+    <p:sldMasterId id="2147483898" r:id="rId4"/>
   </p:sldMasterIdLst>
   <p:sldIdLst>
-    <p:sldId id="256" r:id="rId2"/>
+    <p:sldId id="256" r:id="rId5"/>
+    <p:sldId id="257" r:id="rId6"/>
+    <p:sldId id="258" r:id="rId7"/>
+    <p:sldId id="259" r:id="rId8"/>
   </p:sldIdLst>
   <p:sldSz cx="12192000" cy="6858000"/>
   <p:notesSz cx="6858000" cy="9144000"/>
@@ -13,7 +16,7 @@
     <a:defPPr>
       <a:defRPr lang="en-US"/>
     </a:defPPr>
-    <a:lvl1pPr marL="0" algn="l" defTabSz="914400" rtl="0" eaLnBrk="1" latinLnBrk="0" hangingPunct="1">
+    <a:lvl1pPr marL="0" algn="l" defTabSz="457200" rtl="0" eaLnBrk="1" latinLnBrk="0" hangingPunct="1">
       <a:defRPr sz="1800" kern="1200">
         <a:solidFill>
           <a:schemeClr val="tx1"/>
@@ -23,7 +26,7 @@
         <a:cs typeface="+mn-cs"/>
       </a:defRPr>
     </a:lvl1pPr>
-    <a:lvl2pPr marL="457200" algn="l" defTabSz="914400" rtl="0" eaLnBrk="1" latinLnBrk="0" hangingPunct="1">
+    <a:lvl2pPr marL="457200" algn="l" defTabSz="457200" rtl="0" eaLnBrk="1" latinLnBrk="0" hangingPunct="1">
       <a:defRPr sz="1800" kern="1200">
         <a:solidFill>
           <a:schemeClr val="tx1"/>
@@ -33,7 +36,7 @@
         <a:cs typeface="+mn-cs"/>
       </a:defRPr>
     </a:lvl2pPr>
-    <a:lvl3pPr marL="914400" algn="l" defTabSz="914400" rtl="0" eaLnBrk="1" latinLnBrk="0" hangingPunct="1">
+    <a:lvl3pPr marL="914400" algn="l" defTabSz="457200" rtl="0" eaLnBrk="1" latinLnBrk="0" hangingPunct="1">
       <a:defRPr sz="1800" kern="1200">
         <a:solidFill>
           <a:schemeClr val="tx1"/>
@@ -43,7 +46,7 @@
         <a:cs typeface="+mn-cs"/>
       </a:defRPr>
     </a:lvl3pPr>
-    <a:lvl4pPr marL="1371600" algn="l" defTabSz="914400" rtl="0" eaLnBrk="1" latinLnBrk="0" hangingPunct="1">
+    <a:lvl4pPr marL="1371600" algn="l" defTabSz="457200" rtl="0" eaLnBrk="1" latinLnBrk="0" hangingPunct="1">
       <a:defRPr sz="1800" kern="1200">
         <a:solidFill>
           <a:schemeClr val="tx1"/>
@@ -53,7 +56,7 @@
         <a:cs typeface="+mn-cs"/>
       </a:defRPr>
     </a:lvl4pPr>
-    <a:lvl5pPr marL="1828800" algn="l" defTabSz="914400" rtl="0" eaLnBrk="1" latinLnBrk="0" hangingPunct="1">
+    <a:lvl5pPr marL="1828800" algn="l" defTabSz="457200" rtl="0" eaLnBrk="1" latinLnBrk="0" hangingPunct="1">
       <a:defRPr sz="1800" kern="1200">
         <a:solidFill>
           <a:schemeClr val="tx1"/>
@@ -63,7 +66,7 @@
         <a:cs typeface="+mn-cs"/>
       </a:defRPr>
     </a:lvl5pPr>
-    <a:lvl6pPr marL="2286000" algn="l" defTabSz="914400" rtl="0" eaLnBrk="1" latinLnBrk="0" hangingPunct="1">
+    <a:lvl6pPr marL="2286000" algn="l" defTabSz="457200" rtl="0" eaLnBrk="1" latinLnBrk="0" hangingPunct="1">
       <a:defRPr sz="1800" kern="1200">
         <a:solidFill>
           <a:schemeClr val="tx1"/>
@@ -73,7 +76,7 @@
         <a:cs typeface="+mn-cs"/>
       </a:defRPr>
     </a:lvl6pPr>
-    <a:lvl7pPr marL="2743200" algn="l" defTabSz="914400" rtl="0" eaLnBrk="1" latinLnBrk="0" hangingPunct="1">
+    <a:lvl7pPr marL="2743200" algn="l" defTabSz="457200" rtl="0" eaLnBrk="1" latinLnBrk="0" hangingPunct="1">
       <a:defRPr sz="1800" kern="1200">
         <a:solidFill>
           <a:schemeClr val="tx1"/>
@@ -83,7 +86,7 @@
         <a:cs typeface="+mn-cs"/>
       </a:defRPr>
     </a:lvl7pPr>
-    <a:lvl8pPr marL="3200400" algn="l" defTabSz="914400" rtl="0" eaLnBrk="1" latinLnBrk="0" hangingPunct="1">
+    <a:lvl8pPr marL="3200400" algn="l" defTabSz="457200" rtl="0" eaLnBrk="1" latinLnBrk="0" hangingPunct="1">
       <a:defRPr sz="1800" kern="1200">
         <a:solidFill>
           <a:schemeClr val="tx1"/>
@@ -93,7 +96,7 @@
         <a:cs typeface="+mn-cs"/>
       </a:defRPr>
     </a:lvl8pPr>
-    <a:lvl9pPr marL="3657600" algn="l" defTabSz="914400" rtl="0" eaLnBrk="1" latinLnBrk="0" hangingPunct="1">
+    <a:lvl9pPr marL="3657600" algn="l" defTabSz="457200" rtl="0" eaLnBrk="1" latinLnBrk="0" hangingPunct="1">
       <a:defRPr sz="1800" kern="1200">
         <a:solidFill>
           <a:schemeClr val="tx1"/>
@@ -104,7 +107,20 @@
       </a:defRPr>
     </a:lvl9pPr>
   </p:defaultTextStyle>
+  <p:extLst>
+    <p:ext uri="{EFAFB233-063F-42B5-8137-9DF3F51BA10A}">
+      <p15:sldGuideLst xmlns:p15="http://schemas.microsoft.com/office/powerpoint/2012/main"/>
+    </p:ext>
+  </p:extLst>
 </p:presentation>
+</file>
+
+<file path=ppt/revisionInfo.xml><?xml version="1.0" encoding="utf-8"?>
+<p1510:revInfo xmlns:a="http://schemas.openxmlformats.org/drawingml/2006/main" xmlns:r="http://schemas.openxmlformats.org/officeDocument/2006/relationships" xmlns:p1510="http://schemas.microsoft.com/office/powerpoint/2015/10/main">
+  <p1510:revLst>
+    <p1510:client id="{EE357819-9085-471F-83E9-C6DBC2E5CEB1}" v="37" dt="2024-11-10T18:04:56.819"/>
+  </p1510:revLst>
+</p1510:revInfo>
 </file>
 
 <file path=ppt/slideLayouts/slideLayout1.xml><?xml version="1.0" encoding="utf-8"?>
@@ -126,13 +142,7 @@
       </p:grpSpPr>
       <p:sp>
         <p:nvSpPr>
-          <p:cNvPr id="2" name="Title 1">
-            <a:extLst>
-              <a:ext uri="{FF2B5EF4-FFF2-40B4-BE49-F238E27FC236}">
-                <a16:creationId xmlns:a16="http://schemas.microsoft.com/office/drawing/2014/main" id="{763B9487-9FAB-EE16-4F25-AD18BFC4157F}"/>
-              </a:ext>
-            </a:extLst>
-          </p:cNvPr>
+          <p:cNvPr id="2" name="Title 1"/>
           <p:cNvSpPr>
             <a:spLocks noGrp="1"/>
           </p:cNvSpPr>
@@ -158,19 +168,13 @@
               <a:rPr lang="en-US"/>
               <a:t>Click to edit Master title style</a:t>
             </a:r>
-            <a:endParaRPr lang="lv-LV"/>
-          </a:p>
-        </p:txBody>
-      </p:sp>
-      <p:sp>
-        <p:nvSpPr>
-          <p:cNvPr id="3" name="Subtitle 2">
-            <a:extLst>
-              <a:ext uri="{FF2B5EF4-FFF2-40B4-BE49-F238E27FC236}">
-                <a16:creationId xmlns:a16="http://schemas.microsoft.com/office/drawing/2014/main" id="{C6FD9C61-5A0C-A09F-4649-4D3BDD9E640A}"/>
-              </a:ext>
-            </a:extLst>
-          </p:cNvPr>
+            <a:endParaRPr lang="en-US" dirty="0"/>
+          </a:p>
+        </p:txBody>
+      </p:sp>
+      <p:sp>
+        <p:nvSpPr>
+          <p:cNvPr id="3" name="Subtitle 2"/>
           <p:cNvSpPr>
             <a:spLocks noGrp="1"/>
           </p:cNvSpPr>
@@ -229,19 +233,13 @@
               <a:rPr lang="en-US"/>
               <a:t>Click to edit Master subtitle style</a:t>
             </a:r>
-            <a:endParaRPr lang="lv-LV"/>
-          </a:p>
-        </p:txBody>
-      </p:sp>
-      <p:sp>
-        <p:nvSpPr>
-          <p:cNvPr id="4" name="Date Placeholder 3">
-            <a:extLst>
-              <a:ext uri="{FF2B5EF4-FFF2-40B4-BE49-F238E27FC236}">
-                <a16:creationId xmlns:a16="http://schemas.microsoft.com/office/drawing/2014/main" id="{B07A11CA-E0AA-A778-8E4B-167EDA8DF8FB}"/>
-              </a:ext>
-            </a:extLst>
-          </p:cNvPr>
+            <a:endParaRPr lang="en-US" dirty="0"/>
+          </a:p>
+        </p:txBody>
+      </p:sp>
+      <p:sp>
+        <p:nvSpPr>
+          <p:cNvPr id="4" name="Date Placeholder 3"/>
           <p:cNvSpPr>
             <a:spLocks noGrp="1"/>
           </p:cNvSpPr>
@@ -264,13 +262,7 @@
       </p:sp>
       <p:sp>
         <p:nvSpPr>
-          <p:cNvPr id="5" name="Footer Placeholder 4">
-            <a:extLst>
-              <a:ext uri="{FF2B5EF4-FFF2-40B4-BE49-F238E27FC236}">
-                <a16:creationId xmlns:a16="http://schemas.microsoft.com/office/drawing/2014/main" id="{8015F6D4-A46F-D642-EB1F-D3B8D7D49E4A}"/>
-              </a:ext>
-            </a:extLst>
-          </p:cNvPr>
+          <p:cNvPr id="5" name="Footer Placeholder 4"/>
           <p:cNvSpPr>
             <a:spLocks noGrp="1"/>
           </p:cNvSpPr>
@@ -289,13 +281,7 @@
       </p:sp>
       <p:sp>
         <p:nvSpPr>
-          <p:cNvPr id="6" name="Slide Number Placeholder 5">
-            <a:extLst>
-              <a:ext uri="{FF2B5EF4-FFF2-40B4-BE49-F238E27FC236}">
-                <a16:creationId xmlns:a16="http://schemas.microsoft.com/office/drawing/2014/main" id="{9B60FBE0-7467-DBDC-27FC-ABA156249D87}"/>
-              </a:ext>
-            </a:extLst>
-          </p:cNvPr>
+          <p:cNvPr id="6" name="Slide Number Placeholder 5"/>
           <p:cNvSpPr>
             <a:spLocks noGrp="1"/>
           </p:cNvSpPr>
@@ -319,7 +305,7 @@
     </p:spTree>
     <p:extLst>
       <p:ext uri="{BB962C8B-B14F-4D97-AF65-F5344CB8AC3E}">
-        <p14:creationId xmlns:p14="http://schemas.microsoft.com/office/powerpoint/2010/main" val="1274730141"/>
+        <p14:creationId xmlns:p14="http://schemas.microsoft.com/office/powerpoint/2010/main" val="3257159144"/>
       </p:ext>
     </p:extLst>
   </p:cSld>
@@ -348,13 +334,7 @@
       </p:grpSpPr>
       <p:sp>
         <p:nvSpPr>
-          <p:cNvPr id="2" name="Title 1">
-            <a:extLst>
-              <a:ext uri="{FF2B5EF4-FFF2-40B4-BE49-F238E27FC236}">
-                <a16:creationId xmlns:a16="http://schemas.microsoft.com/office/drawing/2014/main" id="{E84DC8BD-BE14-815B-B7AA-9C4341CF5F43}"/>
-              </a:ext>
-            </a:extLst>
-          </p:cNvPr>
+          <p:cNvPr id="2" name="Title 1"/>
           <p:cNvSpPr>
             <a:spLocks noGrp="1"/>
           </p:cNvSpPr>
@@ -371,19 +351,13 @@
               <a:rPr lang="en-US"/>
               <a:t>Click to edit Master title style</a:t>
             </a:r>
-            <a:endParaRPr lang="lv-LV"/>
-          </a:p>
-        </p:txBody>
-      </p:sp>
-      <p:sp>
-        <p:nvSpPr>
-          <p:cNvPr id="3" name="Vertical Text Placeholder 2">
-            <a:extLst>
-              <a:ext uri="{FF2B5EF4-FFF2-40B4-BE49-F238E27FC236}">
-                <a16:creationId xmlns:a16="http://schemas.microsoft.com/office/drawing/2014/main" id="{3636DBE4-C11A-B51E-E06D-CE54A46C93D6}"/>
-              </a:ext>
-            </a:extLst>
-          </p:cNvPr>
+            <a:endParaRPr lang="en-US" dirty="0"/>
+          </a:p>
+        </p:txBody>
+      </p:sp>
+      <p:sp>
+        <p:nvSpPr>
+          <p:cNvPr id="3" name="Vertical Text Placeholder 2"/>
           <p:cNvSpPr>
             <a:spLocks noGrp="1"/>
           </p:cNvSpPr>
@@ -429,19 +403,13 @@
               <a:rPr lang="en-US"/>
               <a:t>Fifth level</a:t>
             </a:r>
-            <a:endParaRPr lang="lv-LV"/>
-          </a:p>
-        </p:txBody>
-      </p:sp>
-      <p:sp>
-        <p:nvSpPr>
-          <p:cNvPr id="4" name="Date Placeholder 3">
-            <a:extLst>
-              <a:ext uri="{FF2B5EF4-FFF2-40B4-BE49-F238E27FC236}">
-                <a16:creationId xmlns:a16="http://schemas.microsoft.com/office/drawing/2014/main" id="{1E04A743-E165-4804-9211-F2EA6243AA29}"/>
-              </a:ext>
-            </a:extLst>
-          </p:cNvPr>
+            <a:endParaRPr lang="en-US" dirty="0"/>
+          </a:p>
+        </p:txBody>
+      </p:sp>
+      <p:sp>
+        <p:nvSpPr>
+          <p:cNvPr id="4" name="Date Placeholder 3"/>
           <p:cNvSpPr>
             <a:spLocks noGrp="1"/>
           </p:cNvSpPr>
@@ -464,13 +432,7 @@
       </p:sp>
       <p:sp>
         <p:nvSpPr>
-          <p:cNvPr id="5" name="Footer Placeholder 4">
-            <a:extLst>
-              <a:ext uri="{FF2B5EF4-FFF2-40B4-BE49-F238E27FC236}">
-                <a16:creationId xmlns:a16="http://schemas.microsoft.com/office/drawing/2014/main" id="{A844C08C-678C-4661-92DF-899899F0437B}"/>
-              </a:ext>
-            </a:extLst>
-          </p:cNvPr>
+          <p:cNvPr id="5" name="Footer Placeholder 4"/>
           <p:cNvSpPr>
             <a:spLocks noGrp="1"/>
           </p:cNvSpPr>
@@ -489,13 +451,7 @@
       </p:sp>
       <p:sp>
         <p:nvSpPr>
-          <p:cNvPr id="6" name="Slide Number Placeholder 5">
-            <a:extLst>
-              <a:ext uri="{FF2B5EF4-FFF2-40B4-BE49-F238E27FC236}">
-                <a16:creationId xmlns:a16="http://schemas.microsoft.com/office/drawing/2014/main" id="{134E76EA-3FC7-7F33-3117-8240A27D05E8}"/>
-              </a:ext>
-            </a:extLst>
-          </p:cNvPr>
+          <p:cNvPr id="6" name="Slide Number Placeholder 5"/>
           <p:cNvSpPr>
             <a:spLocks noGrp="1"/>
           </p:cNvSpPr>
@@ -519,7 +475,7 @@
     </p:spTree>
     <p:extLst>
       <p:ext uri="{BB962C8B-B14F-4D97-AF65-F5344CB8AC3E}">
-        <p14:creationId xmlns:p14="http://schemas.microsoft.com/office/powerpoint/2010/main" val="1946664633"/>
+        <p14:creationId xmlns:p14="http://schemas.microsoft.com/office/powerpoint/2010/main" val="2820132025"/>
       </p:ext>
     </p:extLst>
   </p:cSld>
@@ -548,13 +504,7 @@
       </p:grpSpPr>
       <p:sp>
         <p:nvSpPr>
-          <p:cNvPr id="2" name="Vertical Title 1">
-            <a:extLst>
-              <a:ext uri="{FF2B5EF4-FFF2-40B4-BE49-F238E27FC236}">
-                <a16:creationId xmlns:a16="http://schemas.microsoft.com/office/drawing/2014/main" id="{8F68C0CE-8307-4CD0-FE10-1679F4D275BB}"/>
-              </a:ext>
-            </a:extLst>
-          </p:cNvPr>
+          <p:cNvPr id="2" name="Vertical Title 1"/>
           <p:cNvSpPr>
             <a:spLocks noGrp="1"/>
           </p:cNvSpPr>
@@ -576,19 +526,13 @@
               <a:rPr lang="en-US"/>
               <a:t>Click to edit Master title style</a:t>
             </a:r>
-            <a:endParaRPr lang="lv-LV"/>
-          </a:p>
-        </p:txBody>
-      </p:sp>
-      <p:sp>
-        <p:nvSpPr>
-          <p:cNvPr id="3" name="Vertical Text Placeholder 2">
-            <a:extLst>
-              <a:ext uri="{FF2B5EF4-FFF2-40B4-BE49-F238E27FC236}">
-                <a16:creationId xmlns:a16="http://schemas.microsoft.com/office/drawing/2014/main" id="{657ABFF4-57CD-6FF1-0BBE-3279919FB7E4}"/>
-              </a:ext>
-            </a:extLst>
-          </p:cNvPr>
+            <a:endParaRPr lang="en-US" dirty="0"/>
+          </a:p>
+        </p:txBody>
+      </p:sp>
+      <p:sp>
+        <p:nvSpPr>
+          <p:cNvPr id="3" name="Vertical Text Placeholder 2"/>
           <p:cNvSpPr>
             <a:spLocks noGrp="1"/>
           </p:cNvSpPr>
@@ -639,19 +583,13 @@
               <a:rPr lang="en-US"/>
               <a:t>Fifth level</a:t>
             </a:r>
-            <a:endParaRPr lang="lv-LV"/>
-          </a:p>
-        </p:txBody>
-      </p:sp>
-      <p:sp>
-        <p:nvSpPr>
-          <p:cNvPr id="4" name="Date Placeholder 3">
-            <a:extLst>
-              <a:ext uri="{FF2B5EF4-FFF2-40B4-BE49-F238E27FC236}">
-                <a16:creationId xmlns:a16="http://schemas.microsoft.com/office/drawing/2014/main" id="{5CF847AF-6540-5E7F-2A63-2E6F83EF7546}"/>
-              </a:ext>
-            </a:extLst>
-          </p:cNvPr>
+            <a:endParaRPr lang="en-US" dirty="0"/>
+          </a:p>
+        </p:txBody>
+      </p:sp>
+      <p:sp>
+        <p:nvSpPr>
+          <p:cNvPr id="4" name="Date Placeholder 3"/>
           <p:cNvSpPr>
             <a:spLocks noGrp="1"/>
           </p:cNvSpPr>
@@ -674,13 +612,7 @@
       </p:sp>
       <p:sp>
         <p:nvSpPr>
-          <p:cNvPr id="5" name="Footer Placeholder 4">
-            <a:extLst>
-              <a:ext uri="{FF2B5EF4-FFF2-40B4-BE49-F238E27FC236}">
-                <a16:creationId xmlns:a16="http://schemas.microsoft.com/office/drawing/2014/main" id="{B8AD8323-B840-70C6-4A08-37E0A3C85CF1}"/>
-              </a:ext>
-            </a:extLst>
-          </p:cNvPr>
+          <p:cNvPr id="5" name="Footer Placeholder 4"/>
           <p:cNvSpPr>
             <a:spLocks noGrp="1"/>
           </p:cNvSpPr>
@@ -699,13 +631,7 @@
       </p:sp>
       <p:sp>
         <p:nvSpPr>
-          <p:cNvPr id="6" name="Slide Number Placeholder 5">
-            <a:extLst>
-              <a:ext uri="{FF2B5EF4-FFF2-40B4-BE49-F238E27FC236}">
-                <a16:creationId xmlns:a16="http://schemas.microsoft.com/office/drawing/2014/main" id="{9A29FE59-7CD5-7308-196A-892A8CF6C9BF}"/>
-              </a:ext>
-            </a:extLst>
-          </p:cNvPr>
+          <p:cNvPr id="6" name="Slide Number Placeholder 5"/>
           <p:cNvSpPr>
             <a:spLocks noGrp="1"/>
           </p:cNvSpPr>
@@ -729,7 +655,7 @@
     </p:spTree>
     <p:extLst>
       <p:ext uri="{BB962C8B-B14F-4D97-AF65-F5344CB8AC3E}">
-        <p14:creationId xmlns:p14="http://schemas.microsoft.com/office/powerpoint/2010/main" val="1006465332"/>
+        <p14:creationId xmlns:p14="http://schemas.microsoft.com/office/powerpoint/2010/main" val="1325636809"/>
       </p:ext>
     </p:extLst>
   </p:cSld>
@@ -758,13 +684,7 @@
       </p:grpSpPr>
       <p:sp>
         <p:nvSpPr>
-          <p:cNvPr id="2" name="Title 1">
-            <a:extLst>
-              <a:ext uri="{FF2B5EF4-FFF2-40B4-BE49-F238E27FC236}">
-                <a16:creationId xmlns:a16="http://schemas.microsoft.com/office/drawing/2014/main" id="{2F344C55-B51A-8C09-5AA0-88D7DD67C0BA}"/>
-              </a:ext>
-            </a:extLst>
-          </p:cNvPr>
+          <p:cNvPr id="2" name="Title 1"/>
           <p:cNvSpPr>
             <a:spLocks noGrp="1"/>
           </p:cNvSpPr>
@@ -781,19 +701,13 @@
               <a:rPr lang="en-US"/>
               <a:t>Click to edit Master title style</a:t>
             </a:r>
-            <a:endParaRPr lang="lv-LV"/>
-          </a:p>
-        </p:txBody>
-      </p:sp>
-      <p:sp>
-        <p:nvSpPr>
-          <p:cNvPr id="3" name="Content Placeholder 2">
-            <a:extLst>
-              <a:ext uri="{FF2B5EF4-FFF2-40B4-BE49-F238E27FC236}">
-                <a16:creationId xmlns:a16="http://schemas.microsoft.com/office/drawing/2014/main" id="{66CA8DD2-135F-D05C-1998-9B887886C86E}"/>
-              </a:ext>
-            </a:extLst>
-          </p:cNvPr>
+            <a:endParaRPr lang="en-US" dirty="0"/>
+          </a:p>
+        </p:txBody>
+      </p:sp>
+      <p:sp>
+        <p:nvSpPr>
+          <p:cNvPr id="3" name="Content Placeholder 2"/>
           <p:cNvSpPr>
             <a:spLocks noGrp="1"/>
           </p:cNvSpPr>
@@ -839,19 +753,13 @@
               <a:rPr lang="en-US"/>
               <a:t>Fifth level</a:t>
             </a:r>
-            <a:endParaRPr lang="lv-LV"/>
-          </a:p>
-        </p:txBody>
-      </p:sp>
-      <p:sp>
-        <p:nvSpPr>
-          <p:cNvPr id="4" name="Date Placeholder 3">
-            <a:extLst>
-              <a:ext uri="{FF2B5EF4-FFF2-40B4-BE49-F238E27FC236}">
-                <a16:creationId xmlns:a16="http://schemas.microsoft.com/office/drawing/2014/main" id="{73ED1DBF-1E43-A99C-5E1E-FACD84A089B8}"/>
-              </a:ext>
-            </a:extLst>
-          </p:cNvPr>
+            <a:endParaRPr lang="en-US" dirty="0"/>
+          </a:p>
+        </p:txBody>
+      </p:sp>
+      <p:sp>
+        <p:nvSpPr>
+          <p:cNvPr id="4" name="Date Placeholder 3"/>
           <p:cNvSpPr>
             <a:spLocks noGrp="1"/>
           </p:cNvSpPr>
@@ -874,13 +782,7 @@
       </p:sp>
       <p:sp>
         <p:nvSpPr>
-          <p:cNvPr id="5" name="Footer Placeholder 4">
-            <a:extLst>
-              <a:ext uri="{FF2B5EF4-FFF2-40B4-BE49-F238E27FC236}">
-                <a16:creationId xmlns:a16="http://schemas.microsoft.com/office/drawing/2014/main" id="{30F47691-5A9A-488E-7439-FDD125E5FC15}"/>
-              </a:ext>
-            </a:extLst>
-          </p:cNvPr>
+          <p:cNvPr id="5" name="Footer Placeholder 4"/>
           <p:cNvSpPr>
             <a:spLocks noGrp="1"/>
           </p:cNvSpPr>
@@ -899,13 +801,7 @@
       </p:sp>
       <p:sp>
         <p:nvSpPr>
-          <p:cNvPr id="6" name="Slide Number Placeholder 5">
-            <a:extLst>
-              <a:ext uri="{FF2B5EF4-FFF2-40B4-BE49-F238E27FC236}">
-                <a16:creationId xmlns:a16="http://schemas.microsoft.com/office/drawing/2014/main" id="{FDF148B5-4644-F71A-364C-AFC4B014A898}"/>
-              </a:ext>
-            </a:extLst>
-          </p:cNvPr>
+          <p:cNvPr id="6" name="Slide Number Placeholder 5"/>
           <p:cNvSpPr>
             <a:spLocks noGrp="1"/>
           </p:cNvSpPr>
@@ -929,7 +825,7 @@
     </p:spTree>
     <p:extLst>
       <p:ext uri="{BB962C8B-B14F-4D97-AF65-F5344CB8AC3E}">
-        <p14:creationId xmlns:p14="http://schemas.microsoft.com/office/powerpoint/2010/main" val="134872849"/>
+        <p14:creationId xmlns:p14="http://schemas.microsoft.com/office/powerpoint/2010/main" val="2986850973"/>
       </p:ext>
     </p:extLst>
   </p:cSld>
@@ -958,13 +854,7 @@
       </p:grpSpPr>
       <p:sp>
         <p:nvSpPr>
-          <p:cNvPr id="2" name="Title 1">
-            <a:extLst>
-              <a:ext uri="{FF2B5EF4-FFF2-40B4-BE49-F238E27FC236}">
-                <a16:creationId xmlns:a16="http://schemas.microsoft.com/office/drawing/2014/main" id="{3E30EBE1-20B2-B77D-CE87-A11D3F19A430}"/>
-              </a:ext>
-            </a:extLst>
-          </p:cNvPr>
+          <p:cNvPr id="2" name="Title 1"/>
           <p:cNvSpPr>
             <a:spLocks noGrp="1"/>
           </p:cNvSpPr>
@@ -990,19 +880,13 @@
               <a:rPr lang="en-US"/>
               <a:t>Click to edit Master title style</a:t>
             </a:r>
-            <a:endParaRPr lang="lv-LV"/>
-          </a:p>
-        </p:txBody>
-      </p:sp>
-      <p:sp>
-        <p:nvSpPr>
-          <p:cNvPr id="3" name="Text Placeholder 2">
-            <a:extLst>
-              <a:ext uri="{FF2B5EF4-FFF2-40B4-BE49-F238E27FC236}">
-                <a16:creationId xmlns:a16="http://schemas.microsoft.com/office/drawing/2014/main" id="{BB7E42B9-7E74-AF93-E896-CD6CD8C208F6}"/>
-              </a:ext>
-            </a:extLst>
-          </p:cNvPr>
+            <a:endParaRPr lang="en-US" dirty="0"/>
+          </a:p>
+        </p:txBody>
+      </p:sp>
+      <p:sp>
+        <p:nvSpPr>
+          <p:cNvPr id="3" name="Text Placeholder 2"/>
           <p:cNvSpPr>
             <a:spLocks noGrp="1"/>
           </p:cNvSpPr>
@@ -1121,13 +1005,7 @@
       </p:sp>
       <p:sp>
         <p:nvSpPr>
-          <p:cNvPr id="4" name="Date Placeholder 3">
-            <a:extLst>
-              <a:ext uri="{FF2B5EF4-FFF2-40B4-BE49-F238E27FC236}">
-                <a16:creationId xmlns:a16="http://schemas.microsoft.com/office/drawing/2014/main" id="{2207DAB1-68D0-5037-02DB-F8A793305A5D}"/>
-              </a:ext>
-            </a:extLst>
-          </p:cNvPr>
+          <p:cNvPr id="4" name="Date Placeholder 3"/>
           <p:cNvSpPr>
             <a:spLocks noGrp="1"/>
           </p:cNvSpPr>
@@ -1150,13 +1028,7 @@
       </p:sp>
       <p:sp>
         <p:nvSpPr>
-          <p:cNvPr id="5" name="Footer Placeholder 4">
-            <a:extLst>
-              <a:ext uri="{FF2B5EF4-FFF2-40B4-BE49-F238E27FC236}">
-                <a16:creationId xmlns:a16="http://schemas.microsoft.com/office/drawing/2014/main" id="{48D9B9AF-8CA3-AFF6-0794-9CBEDA01B249}"/>
-              </a:ext>
-            </a:extLst>
-          </p:cNvPr>
+          <p:cNvPr id="5" name="Footer Placeholder 4"/>
           <p:cNvSpPr>
             <a:spLocks noGrp="1"/>
           </p:cNvSpPr>
@@ -1175,13 +1047,7 @@
       </p:sp>
       <p:sp>
         <p:nvSpPr>
-          <p:cNvPr id="6" name="Slide Number Placeholder 5">
-            <a:extLst>
-              <a:ext uri="{FF2B5EF4-FFF2-40B4-BE49-F238E27FC236}">
-                <a16:creationId xmlns:a16="http://schemas.microsoft.com/office/drawing/2014/main" id="{751F1AA7-979A-EDE3-AB57-0108C701FC7A}"/>
-              </a:ext>
-            </a:extLst>
-          </p:cNvPr>
+          <p:cNvPr id="6" name="Slide Number Placeholder 5"/>
           <p:cNvSpPr>
             <a:spLocks noGrp="1"/>
           </p:cNvSpPr>
@@ -1205,7 +1071,7 @@
     </p:spTree>
     <p:extLst>
       <p:ext uri="{BB962C8B-B14F-4D97-AF65-F5344CB8AC3E}">
-        <p14:creationId xmlns:p14="http://schemas.microsoft.com/office/powerpoint/2010/main" val="3635134152"/>
+        <p14:creationId xmlns:p14="http://schemas.microsoft.com/office/powerpoint/2010/main" val="2537382573"/>
       </p:ext>
     </p:extLst>
   </p:cSld>
@@ -1234,13 +1100,7 @@
       </p:grpSpPr>
       <p:sp>
         <p:nvSpPr>
-          <p:cNvPr id="2" name="Title 1">
-            <a:extLst>
-              <a:ext uri="{FF2B5EF4-FFF2-40B4-BE49-F238E27FC236}">
-                <a16:creationId xmlns:a16="http://schemas.microsoft.com/office/drawing/2014/main" id="{B89D4782-034D-C811-0EEA-D46072EA8685}"/>
-              </a:ext>
-            </a:extLst>
-          </p:cNvPr>
+          <p:cNvPr id="2" name="Title 1"/>
           <p:cNvSpPr>
             <a:spLocks noGrp="1"/>
           </p:cNvSpPr>
@@ -1257,19 +1117,13 @@
               <a:rPr lang="en-US"/>
               <a:t>Click to edit Master title style</a:t>
             </a:r>
-            <a:endParaRPr lang="lv-LV"/>
-          </a:p>
-        </p:txBody>
-      </p:sp>
-      <p:sp>
-        <p:nvSpPr>
-          <p:cNvPr id="3" name="Content Placeholder 2">
-            <a:extLst>
-              <a:ext uri="{FF2B5EF4-FFF2-40B4-BE49-F238E27FC236}">
-                <a16:creationId xmlns:a16="http://schemas.microsoft.com/office/drawing/2014/main" id="{CA103B58-4DDA-5F6B-1171-E487BCCFC974}"/>
-              </a:ext>
-            </a:extLst>
-          </p:cNvPr>
+            <a:endParaRPr lang="en-US" dirty="0"/>
+          </a:p>
+        </p:txBody>
+      </p:sp>
+      <p:sp>
+        <p:nvSpPr>
+          <p:cNvPr id="3" name="Content Placeholder 2"/>
           <p:cNvSpPr>
             <a:spLocks noGrp="1"/>
           </p:cNvSpPr>
@@ -1320,19 +1174,13 @@
               <a:rPr lang="en-US"/>
               <a:t>Fifth level</a:t>
             </a:r>
-            <a:endParaRPr lang="lv-LV"/>
-          </a:p>
-        </p:txBody>
-      </p:sp>
-      <p:sp>
-        <p:nvSpPr>
-          <p:cNvPr id="4" name="Content Placeholder 3">
-            <a:extLst>
-              <a:ext uri="{FF2B5EF4-FFF2-40B4-BE49-F238E27FC236}">
-                <a16:creationId xmlns:a16="http://schemas.microsoft.com/office/drawing/2014/main" id="{2D213585-0832-1545-07E2-AF0B6BA17257}"/>
-              </a:ext>
-            </a:extLst>
-          </p:cNvPr>
+            <a:endParaRPr lang="en-US" dirty="0"/>
+          </a:p>
+        </p:txBody>
+      </p:sp>
+      <p:sp>
+        <p:nvSpPr>
+          <p:cNvPr id="4" name="Content Placeholder 3"/>
           <p:cNvSpPr>
             <a:spLocks noGrp="1"/>
           </p:cNvSpPr>
@@ -1383,19 +1231,13 @@
               <a:rPr lang="en-US"/>
               <a:t>Fifth level</a:t>
             </a:r>
-            <a:endParaRPr lang="lv-LV"/>
-          </a:p>
-        </p:txBody>
-      </p:sp>
-      <p:sp>
-        <p:nvSpPr>
-          <p:cNvPr id="5" name="Date Placeholder 4">
-            <a:extLst>
-              <a:ext uri="{FF2B5EF4-FFF2-40B4-BE49-F238E27FC236}">
-                <a16:creationId xmlns:a16="http://schemas.microsoft.com/office/drawing/2014/main" id="{2536A1F6-7366-75E2-637C-715470BF0876}"/>
-              </a:ext>
-            </a:extLst>
-          </p:cNvPr>
+            <a:endParaRPr lang="en-US" dirty="0"/>
+          </a:p>
+        </p:txBody>
+      </p:sp>
+      <p:sp>
+        <p:nvSpPr>
+          <p:cNvPr id="5" name="Date Placeholder 4"/>
           <p:cNvSpPr>
             <a:spLocks noGrp="1"/>
           </p:cNvSpPr>
@@ -1418,13 +1260,7 @@
       </p:sp>
       <p:sp>
         <p:nvSpPr>
-          <p:cNvPr id="6" name="Footer Placeholder 5">
-            <a:extLst>
-              <a:ext uri="{FF2B5EF4-FFF2-40B4-BE49-F238E27FC236}">
-                <a16:creationId xmlns:a16="http://schemas.microsoft.com/office/drawing/2014/main" id="{E0BA5AB5-AA59-8787-2B62-3EE21ECD9F7C}"/>
-              </a:ext>
-            </a:extLst>
-          </p:cNvPr>
+          <p:cNvPr id="6" name="Footer Placeholder 5"/>
           <p:cNvSpPr>
             <a:spLocks noGrp="1"/>
           </p:cNvSpPr>
@@ -1443,13 +1279,7 @@
       </p:sp>
       <p:sp>
         <p:nvSpPr>
-          <p:cNvPr id="7" name="Slide Number Placeholder 6">
-            <a:extLst>
-              <a:ext uri="{FF2B5EF4-FFF2-40B4-BE49-F238E27FC236}">
-                <a16:creationId xmlns:a16="http://schemas.microsoft.com/office/drawing/2014/main" id="{E89EC160-546B-3884-6D65-18E9527326A5}"/>
-              </a:ext>
-            </a:extLst>
-          </p:cNvPr>
+          <p:cNvPr id="7" name="Slide Number Placeholder 6"/>
           <p:cNvSpPr>
             <a:spLocks noGrp="1"/>
           </p:cNvSpPr>
@@ -1473,7 +1303,7 @@
     </p:spTree>
     <p:extLst>
       <p:ext uri="{BB962C8B-B14F-4D97-AF65-F5344CB8AC3E}">
-        <p14:creationId xmlns:p14="http://schemas.microsoft.com/office/powerpoint/2010/main" val="2234147651"/>
+        <p14:creationId xmlns:p14="http://schemas.microsoft.com/office/powerpoint/2010/main" val="2445789524"/>
       </p:ext>
     </p:extLst>
   </p:cSld>
@@ -1502,13 +1332,7 @@
       </p:grpSpPr>
       <p:sp>
         <p:nvSpPr>
-          <p:cNvPr id="2" name="Title 1">
-            <a:extLst>
-              <a:ext uri="{FF2B5EF4-FFF2-40B4-BE49-F238E27FC236}">
-                <a16:creationId xmlns:a16="http://schemas.microsoft.com/office/drawing/2014/main" id="{4D20AC14-8DCC-01C5-A5EE-658A2B6FF04C}"/>
-              </a:ext>
-            </a:extLst>
-          </p:cNvPr>
+          <p:cNvPr id="2" name="Title 1"/>
           <p:cNvSpPr>
             <a:spLocks noGrp="1"/>
           </p:cNvSpPr>
@@ -1530,19 +1354,13 @@
               <a:rPr lang="en-US"/>
               <a:t>Click to edit Master title style</a:t>
             </a:r>
-            <a:endParaRPr lang="lv-LV"/>
-          </a:p>
-        </p:txBody>
-      </p:sp>
-      <p:sp>
-        <p:nvSpPr>
-          <p:cNvPr id="3" name="Text Placeholder 2">
-            <a:extLst>
-              <a:ext uri="{FF2B5EF4-FFF2-40B4-BE49-F238E27FC236}">
-                <a16:creationId xmlns:a16="http://schemas.microsoft.com/office/drawing/2014/main" id="{6248E916-FE4C-8A82-24A2-E5C99FA9BCC7}"/>
-              </a:ext>
-            </a:extLst>
-          </p:cNvPr>
+            <a:endParaRPr lang="en-US" dirty="0"/>
+          </a:p>
+        </p:txBody>
+      </p:sp>
+      <p:sp>
+        <p:nvSpPr>
+          <p:cNvPr id="3" name="Text Placeholder 2"/>
           <p:cNvSpPr>
             <a:spLocks noGrp="1"/>
           </p:cNvSpPr>
@@ -1607,13 +1425,7 @@
       </p:sp>
       <p:sp>
         <p:nvSpPr>
-          <p:cNvPr id="4" name="Content Placeholder 3">
-            <a:extLst>
-              <a:ext uri="{FF2B5EF4-FFF2-40B4-BE49-F238E27FC236}">
-                <a16:creationId xmlns:a16="http://schemas.microsoft.com/office/drawing/2014/main" id="{B6C9BFF1-EE5C-A290-FA15-1446DD4D1984}"/>
-              </a:ext>
-            </a:extLst>
-          </p:cNvPr>
+          <p:cNvPr id="4" name="Content Placeholder 3"/>
           <p:cNvSpPr>
             <a:spLocks noGrp="1"/>
           </p:cNvSpPr>
@@ -1664,19 +1476,13 @@
               <a:rPr lang="en-US"/>
               <a:t>Fifth level</a:t>
             </a:r>
-            <a:endParaRPr lang="lv-LV"/>
-          </a:p>
-        </p:txBody>
-      </p:sp>
-      <p:sp>
-        <p:nvSpPr>
-          <p:cNvPr id="5" name="Text Placeholder 4">
-            <a:extLst>
-              <a:ext uri="{FF2B5EF4-FFF2-40B4-BE49-F238E27FC236}">
-                <a16:creationId xmlns:a16="http://schemas.microsoft.com/office/drawing/2014/main" id="{A874CB03-C3E6-9973-0BEC-2D986F22499C}"/>
-              </a:ext>
-            </a:extLst>
-          </p:cNvPr>
+            <a:endParaRPr lang="en-US" dirty="0"/>
+          </a:p>
+        </p:txBody>
+      </p:sp>
+      <p:sp>
+        <p:nvSpPr>
+          <p:cNvPr id="5" name="Text Placeholder 4"/>
           <p:cNvSpPr>
             <a:spLocks noGrp="1"/>
           </p:cNvSpPr>
@@ -1741,13 +1547,7 @@
       </p:sp>
       <p:sp>
         <p:nvSpPr>
-          <p:cNvPr id="6" name="Content Placeholder 5">
-            <a:extLst>
-              <a:ext uri="{FF2B5EF4-FFF2-40B4-BE49-F238E27FC236}">
-                <a16:creationId xmlns:a16="http://schemas.microsoft.com/office/drawing/2014/main" id="{058E5C61-98D7-DE01-8993-A7344A07A3D8}"/>
-              </a:ext>
-            </a:extLst>
-          </p:cNvPr>
+          <p:cNvPr id="6" name="Content Placeholder 5"/>
           <p:cNvSpPr>
             <a:spLocks noGrp="1"/>
           </p:cNvSpPr>
@@ -1798,19 +1598,13 @@
               <a:rPr lang="en-US"/>
               <a:t>Fifth level</a:t>
             </a:r>
-            <a:endParaRPr lang="lv-LV"/>
-          </a:p>
-        </p:txBody>
-      </p:sp>
-      <p:sp>
-        <p:nvSpPr>
-          <p:cNvPr id="7" name="Date Placeholder 6">
-            <a:extLst>
-              <a:ext uri="{FF2B5EF4-FFF2-40B4-BE49-F238E27FC236}">
-                <a16:creationId xmlns:a16="http://schemas.microsoft.com/office/drawing/2014/main" id="{104DE8A8-D7DB-1281-2DFD-D82B04CD21C1}"/>
-              </a:ext>
-            </a:extLst>
-          </p:cNvPr>
+            <a:endParaRPr lang="en-US" dirty="0"/>
+          </a:p>
+        </p:txBody>
+      </p:sp>
+      <p:sp>
+        <p:nvSpPr>
+          <p:cNvPr id="7" name="Date Placeholder 6"/>
           <p:cNvSpPr>
             <a:spLocks noGrp="1"/>
           </p:cNvSpPr>
@@ -1833,13 +1627,7 @@
       </p:sp>
       <p:sp>
         <p:nvSpPr>
-          <p:cNvPr id="8" name="Footer Placeholder 7">
-            <a:extLst>
-              <a:ext uri="{FF2B5EF4-FFF2-40B4-BE49-F238E27FC236}">
-                <a16:creationId xmlns:a16="http://schemas.microsoft.com/office/drawing/2014/main" id="{0A021E24-1C7B-49C0-98BE-47BDCB13325A}"/>
-              </a:ext>
-            </a:extLst>
-          </p:cNvPr>
+          <p:cNvPr id="8" name="Footer Placeholder 7"/>
           <p:cNvSpPr>
             <a:spLocks noGrp="1"/>
           </p:cNvSpPr>
@@ -1858,13 +1646,7 @@
       </p:sp>
       <p:sp>
         <p:nvSpPr>
-          <p:cNvPr id="9" name="Slide Number Placeholder 8">
-            <a:extLst>
-              <a:ext uri="{FF2B5EF4-FFF2-40B4-BE49-F238E27FC236}">
-                <a16:creationId xmlns:a16="http://schemas.microsoft.com/office/drawing/2014/main" id="{2844F84E-DE57-D24C-5065-50F07E612649}"/>
-              </a:ext>
-            </a:extLst>
-          </p:cNvPr>
+          <p:cNvPr id="9" name="Slide Number Placeholder 8"/>
           <p:cNvSpPr>
             <a:spLocks noGrp="1"/>
           </p:cNvSpPr>
@@ -1888,7 +1670,7 @@
     </p:spTree>
     <p:extLst>
       <p:ext uri="{BB962C8B-B14F-4D97-AF65-F5344CB8AC3E}">
-        <p14:creationId xmlns:p14="http://schemas.microsoft.com/office/powerpoint/2010/main" val="1080001534"/>
+        <p14:creationId xmlns:p14="http://schemas.microsoft.com/office/powerpoint/2010/main" val="1215405455"/>
       </p:ext>
     </p:extLst>
   </p:cSld>
@@ -1917,13 +1699,7 @@
       </p:grpSpPr>
       <p:sp>
         <p:nvSpPr>
-          <p:cNvPr id="2" name="Title 1">
-            <a:extLst>
-              <a:ext uri="{FF2B5EF4-FFF2-40B4-BE49-F238E27FC236}">
-                <a16:creationId xmlns:a16="http://schemas.microsoft.com/office/drawing/2014/main" id="{F6FD89A6-8876-AF16-D47B-1B74C381D59A}"/>
-              </a:ext>
-            </a:extLst>
-          </p:cNvPr>
+          <p:cNvPr id="2" name="Title 1"/>
           <p:cNvSpPr>
             <a:spLocks noGrp="1"/>
           </p:cNvSpPr>
@@ -1940,19 +1716,13 @@
               <a:rPr lang="en-US"/>
               <a:t>Click to edit Master title style</a:t>
             </a:r>
-            <a:endParaRPr lang="lv-LV"/>
-          </a:p>
-        </p:txBody>
-      </p:sp>
-      <p:sp>
-        <p:nvSpPr>
-          <p:cNvPr id="3" name="Date Placeholder 2">
-            <a:extLst>
-              <a:ext uri="{FF2B5EF4-FFF2-40B4-BE49-F238E27FC236}">
-                <a16:creationId xmlns:a16="http://schemas.microsoft.com/office/drawing/2014/main" id="{70F0027A-8ED4-19BC-61E9-C5C0C1C68142}"/>
-              </a:ext>
-            </a:extLst>
-          </p:cNvPr>
+            <a:endParaRPr lang="en-US" dirty="0"/>
+          </a:p>
+        </p:txBody>
+      </p:sp>
+      <p:sp>
+        <p:nvSpPr>
+          <p:cNvPr id="3" name="Date Placeholder 2"/>
           <p:cNvSpPr>
             <a:spLocks noGrp="1"/>
           </p:cNvSpPr>
@@ -1975,13 +1745,7 @@
       </p:sp>
       <p:sp>
         <p:nvSpPr>
-          <p:cNvPr id="4" name="Footer Placeholder 3">
-            <a:extLst>
-              <a:ext uri="{FF2B5EF4-FFF2-40B4-BE49-F238E27FC236}">
-                <a16:creationId xmlns:a16="http://schemas.microsoft.com/office/drawing/2014/main" id="{F9C5F04D-0044-50B4-322F-5FB49ABB7E70}"/>
-              </a:ext>
-            </a:extLst>
-          </p:cNvPr>
+          <p:cNvPr id="4" name="Footer Placeholder 3"/>
           <p:cNvSpPr>
             <a:spLocks noGrp="1"/>
           </p:cNvSpPr>
@@ -2000,13 +1764,7 @@
       </p:sp>
       <p:sp>
         <p:nvSpPr>
-          <p:cNvPr id="5" name="Slide Number Placeholder 4">
-            <a:extLst>
-              <a:ext uri="{FF2B5EF4-FFF2-40B4-BE49-F238E27FC236}">
-                <a16:creationId xmlns:a16="http://schemas.microsoft.com/office/drawing/2014/main" id="{8DE3668E-BA22-6174-AA49-3B9BAA68B35A}"/>
-              </a:ext>
-            </a:extLst>
-          </p:cNvPr>
+          <p:cNvPr id="5" name="Slide Number Placeholder 4"/>
           <p:cNvSpPr>
             <a:spLocks noGrp="1"/>
           </p:cNvSpPr>
@@ -2030,7 +1788,7 @@
     </p:spTree>
     <p:extLst>
       <p:ext uri="{BB962C8B-B14F-4D97-AF65-F5344CB8AC3E}">
-        <p14:creationId xmlns:p14="http://schemas.microsoft.com/office/powerpoint/2010/main" val="464559981"/>
+        <p14:creationId xmlns:p14="http://schemas.microsoft.com/office/powerpoint/2010/main" val="2405658805"/>
       </p:ext>
     </p:extLst>
   </p:cSld>
@@ -2059,13 +1817,7 @@
       </p:grpSpPr>
       <p:sp>
         <p:nvSpPr>
-          <p:cNvPr id="2" name="Date Placeholder 1">
-            <a:extLst>
-              <a:ext uri="{FF2B5EF4-FFF2-40B4-BE49-F238E27FC236}">
-                <a16:creationId xmlns:a16="http://schemas.microsoft.com/office/drawing/2014/main" id="{6A711635-C08F-1DFD-B741-BC6D29337EE6}"/>
-              </a:ext>
-            </a:extLst>
-          </p:cNvPr>
+          <p:cNvPr id="2" name="Date Placeholder 1"/>
           <p:cNvSpPr>
             <a:spLocks noGrp="1"/>
           </p:cNvSpPr>
@@ -2088,13 +1840,7 @@
       </p:sp>
       <p:sp>
         <p:nvSpPr>
-          <p:cNvPr id="3" name="Footer Placeholder 2">
-            <a:extLst>
-              <a:ext uri="{FF2B5EF4-FFF2-40B4-BE49-F238E27FC236}">
-                <a16:creationId xmlns:a16="http://schemas.microsoft.com/office/drawing/2014/main" id="{95F470FB-7B8E-870B-ACD6-02DB8C497D11}"/>
-              </a:ext>
-            </a:extLst>
-          </p:cNvPr>
+          <p:cNvPr id="3" name="Footer Placeholder 2"/>
           <p:cNvSpPr>
             <a:spLocks noGrp="1"/>
           </p:cNvSpPr>
@@ -2113,13 +1859,7 @@
       </p:sp>
       <p:sp>
         <p:nvSpPr>
-          <p:cNvPr id="4" name="Slide Number Placeholder 3">
-            <a:extLst>
-              <a:ext uri="{FF2B5EF4-FFF2-40B4-BE49-F238E27FC236}">
-                <a16:creationId xmlns:a16="http://schemas.microsoft.com/office/drawing/2014/main" id="{C35108D2-639D-7655-D0D8-BAFFE94F45A7}"/>
-              </a:ext>
-            </a:extLst>
-          </p:cNvPr>
+          <p:cNvPr id="4" name="Slide Number Placeholder 3"/>
           <p:cNvSpPr>
             <a:spLocks noGrp="1"/>
           </p:cNvSpPr>
@@ -2143,7 +1883,7 @@
     </p:spTree>
     <p:extLst>
       <p:ext uri="{BB962C8B-B14F-4D97-AF65-F5344CB8AC3E}">
-        <p14:creationId xmlns:p14="http://schemas.microsoft.com/office/powerpoint/2010/main" val="2098447239"/>
+        <p14:creationId xmlns:p14="http://schemas.microsoft.com/office/powerpoint/2010/main" val="1154607529"/>
       </p:ext>
     </p:extLst>
   </p:cSld>
@@ -2172,13 +1912,7 @@
       </p:grpSpPr>
       <p:sp>
         <p:nvSpPr>
-          <p:cNvPr id="2" name="Title 1">
-            <a:extLst>
-              <a:ext uri="{FF2B5EF4-FFF2-40B4-BE49-F238E27FC236}">
-                <a16:creationId xmlns:a16="http://schemas.microsoft.com/office/drawing/2014/main" id="{C54D9A6D-7F8F-3B99-81FC-9A5F41D3807A}"/>
-              </a:ext>
-            </a:extLst>
-          </p:cNvPr>
+          <p:cNvPr id="2" name="Title 1"/>
           <p:cNvSpPr>
             <a:spLocks noGrp="1"/>
           </p:cNvSpPr>
@@ -2204,19 +1938,13 @@
               <a:rPr lang="en-US"/>
               <a:t>Click to edit Master title style</a:t>
             </a:r>
-            <a:endParaRPr lang="lv-LV"/>
-          </a:p>
-        </p:txBody>
-      </p:sp>
-      <p:sp>
-        <p:nvSpPr>
-          <p:cNvPr id="3" name="Content Placeholder 2">
-            <a:extLst>
-              <a:ext uri="{FF2B5EF4-FFF2-40B4-BE49-F238E27FC236}">
-                <a16:creationId xmlns:a16="http://schemas.microsoft.com/office/drawing/2014/main" id="{D89ACDBC-597E-D880-1984-65C41C7E6E1B}"/>
-              </a:ext>
-            </a:extLst>
-          </p:cNvPr>
+            <a:endParaRPr lang="en-US" dirty="0"/>
+          </a:p>
+        </p:txBody>
+      </p:sp>
+      <p:sp>
+        <p:nvSpPr>
+          <p:cNvPr id="3" name="Content Placeholder 2"/>
           <p:cNvSpPr>
             <a:spLocks noGrp="1"/>
           </p:cNvSpPr>
@@ -2295,19 +2023,13 @@
               <a:rPr lang="en-US"/>
               <a:t>Fifth level</a:t>
             </a:r>
-            <a:endParaRPr lang="lv-LV"/>
-          </a:p>
-        </p:txBody>
-      </p:sp>
-      <p:sp>
-        <p:nvSpPr>
-          <p:cNvPr id="4" name="Text Placeholder 3">
-            <a:extLst>
-              <a:ext uri="{FF2B5EF4-FFF2-40B4-BE49-F238E27FC236}">
-                <a16:creationId xmlns:a16="http://schemas.microsoft.com/office/drawing/2014/main" id="{26C611FA-7BE7-A1A1-25A6-F904ED9CC70D}"/>
-              </a:ext>
-            </a:extLst>
-          </p:cNvPr>
+            <a:endParaRPr lang="en-US" dirty="0"/>
+          </a:p>
+        </p:txBody>
+      </p:sp>
+      <p:sp>
+        <p:nvSpPr>
+          <p:cNvPr id="4" name="Text Placeholder 3"/>
           <p:cNvSpPr>
             <a:spLocks noGrp="1"/>
           </p:cNvSpPr>
@@ -2372,13 +2094,7 @@
       </p:sp>
       <p:sp>
         <p:nvSpPr>
-          <p:cNvPr id="5" name="Date Placeholder 4">
-            <a:extLst>
-              <a:ext uri="{FF2B5EF4-FFF2-40B4-BE49-F238E27FC236}">
-                <a16:creationId xmlns:a16="http://schemas.microsoft.com/office/drawing/2014/main" id="{B7A8A111-9AAF-29BE-63DE-D7A9F4CD4D6D}"/>
-              </a:ext>
-            </a:extLst>
-          </p:cNvPr>
+          <p:cNvPr id="5" name="Date Placeholder 4"/>
           <p:cNvSpPr>
             <a:spLocks noGrp="1"/>
           </p:cNvSpPr>
@@ -2401,13 +2117,7 @@
       </p:sp>
       <p:sp>
         <p:nvSpPr>
-          <p:cNvPr id="6" name="Footer Placeholder 5">
-            <a:extLst>
-              <a:ext uri="{FF2B5EF4-FFF2-40B4-BE49-F238E27FC236}">
-                <a16:creationId xmlns:a16="http://schemas.microsoft.com/office/drawing/2014/main" id="{5DCB2AD6-DF74-7534-3541-347E37B0B01B}"/>
-              </a:ext>
-            </a:extLst>
-          </p:cNvPr>
+          <p:cNvPr id="6" name="Footer Placeholder 5"/>
           <p:cNvSpPr>
             <a:spLocks noGrp="1"/>
           </p:cNvSpPr>
@@ -2426,13 +2136,7 @@
       </p:sp>
       <p:sp>
         <p:nvSpPr>
-          <p:cNvPr id="7" name="Slide Number Placeholder 6">
-            <a:extLst>
-              <a:ext uri="{FF2B5EF4-FFF2-40B4-BE49-F238E27FC236}">
-                <a16:creationId xmlns:a16="http://schemas.microsoft.com/office/drawing/2014/main" id="{5DB12724-C95E-3819-EE18-EE68CE89508C}"/>
-              </a:ext>
-            </a:extLst>
-          </p:cNvPr>
+          <p:cNvPr id="7" name="Slide Number Placeholder 6"/>
           <p:cNvSpPr>
             <a:spLocks noGrp="1"/>
           </p:cNvSpPr>
@@ -2456,7 +2160,7 @@
     </p:spTree>
     <p:extLst>
       <p:ext uri="{BB962C8B-B14F-4D97-AF65-F5344CB8AC3E}">
-        <p14:creationId xmlns:p14="http://schemas.microsoft.com/office/powerpoint/2010/main" val="4081838134"/>
+        <p14:creationId xmlns:p14="http://schemas.microsoft.com/office/powerpoint/2010/main" val="370812337"/>
       </p:ext>
     </p:extLst>
   </p:cSld>
@@ -2485,13 +2189,7 @@
       </p:grpSpPr>
       <p:sp>
         <p:nvSpPr>
-          <p:cNvPr id="2" name="Title 1">
-            <a:extLst>
-              <a:ext uri="{FF2B5EF4-FFF2-40B4-BE49-F238E27FC236}">
-                <a16:creationId xmlns:a16="http://schemas.microsoft.com/office/drawing/2014/main" id="{B6B9E1D4-6023-4A69-E2E4-260CABAB90B7}"/>
-              </a:ext>
-            </a:extLst>
-          </p:cNvPr>
+          <p:cNvPr id="2" name="Title 1"/>
           <p:cNvSpPr>
             <a:spLocks noGrp="1"/>
           </p:cNvSpPr>
@@ -2517,21 +2215,15 @@
               <a:rPr lang="en-US"/>
               <a:t>Click to edit Master title style</a:t>
             </a:r>
-            <a:endParaRPr lang="lv-LV"/>
-          </a:p>
-        </p:txBody>
-      </p:sp>
-      <p:sp>
-        <p:nvSpPr>
-          <p:cNvPr id="3" name="Picture Placeholder 2">
-            <a:extLst>
-              <a:ext uri="{FF2B5EF4-FFF2-40B4-BE49-F238E27FC236}">
-                <a16:creationId xmlns:a16="http://schemas.microsoft.com/office/drawing/2014/main" id="{5D146F81-1B7A-FE21-751D-E44569E6C92D}"/>
-              </a:ext>
-            </a:extLst>
-          </p:cNvPr>
-          <p:cNvSpPr>
-            <a:spLocks noGrp="1"/>
+            <a:endParaRPr lang="en-US" dirty="0"/>
+          </a:p>
+        </p:txBody>
+      </p:sp>
+      <p:sp>
+        <p:nvSpPr>
+          <p:cNvPr id="3" name="Picture Placeholder 2"/>
+          <p:cNvSpPr>
+            <a:spLocks noGrp="1" noChangeAspect="1"/>
           </p:cNvSpPr>
           <p:nvPr>
             <p:ph type="pic" idx="1"/>
@@ -2544,7 +2236,7 @@
           </a:xfrm>
         </p:spPr>
         <p:txBody>
-          <a:bodyPr/>
+          <a:bodyPr anchor="t"/>
           <a:lstStyle>
             <a:lvl1pPr marL="0" indent="0">
               <a:buNone/>
@@ -2584,19 +2276,17 @@
             </a:lvl9pPr>
           </a:lstStyle>
           <a:p>
-            <a:endParaRPr lang="lv-LV"/>
-          </a:p>
-        </p:txBody>
-      </p:sp>
-      <p:sp>
-        <p:nvSpPr>
-          <p:cNvPr id="4" name="Text Placeholder 3">
-            <a:extLst>
-              <a:ext uri="{FF2B5EF4-FFF2-40B4-BE49-F238E27FC236}">
-                <a16:creationId xmlns:a16="http://schemas.microsoft.com/office/drawing/2014/main" id="{67B89967-C2FC-F260-D616-BF67841B630A}"/>
-              </a:ext>
-            </a:extLst>
-          </p:cNvPr>
+            <a:r>
+              <a:rPr lang="en-US"/>
+              <a:t>Click icon to add picture</a:t>
+            </a:r>
+            <a:endParaRPr lang="en-US" dirty="0"/>
+          </a:p>
+        </p:txBody>
+      </p:sp>
+      <p:sp>
+        <p:nvSpPr>
+          <p:cNvPr id="4" name="Text Placeholder 3"/>
           <p:cNvSpPr>
             <a:spLocks noGrp="1"/>
           </p:cNvSpPr>
@@ -2661,13 +2351,7 @@
       </p:sp>
       <p:sp>
         <p:nvSpPr>
-          <p:cNvPr id="5" name="Date Placeholder 4">
-            <a:extLst>
-              <a:ext uri="{FF2B5EF4-FFF2-40B4-BE49-F238E27FC236}">
-                <a16:creationId xmlns:a16="http://schemas.microsoft.com/office/drawing/2014/main" id="{8581E09B-F840-AE79-16F7-9968899310B0}"/>
-              </a:ext>
-            </a:extLst>
-          </p:cNvPr>
+          <p:cNvPr id="5" name="Date Placeholder 4"/>
           <p:cNvSpPr>
             <a:spLocks noGrp="1"/>
           </p:cNvSpPr>
@@ -2690,13 +2374,7 @@
       </p:sp>
       <p:sp>
         <p:nvSpPr>
-          <p:cNvPr id="6" name="Footer Placeholder 5">
-            <a:extLst>
-              <a:ext uri="{FF2B5EF4-FFF2-40B4-BE49-F238E27FC236}">
-                <a16:creationId xmlns:a16="http://schemas.microsoft.com/office/drawing/2014/main" id="{D82B1474-E3BB-7C24-6887-A9B1B5ECA4C8}"/>
-              </a:ext>
-            </a:extLst>
-          </p:cNvPr>
+          <p:cNvPr id="6" name="Footer Placeholder 5"/>
           <p:cNvSpPr>
             <a:spLocks noGrp="1"/>
           </p:cNvSpPr>
@@ -2709,19 +2387,13 @@
           <a:bodyPr/>
           <a:lstStyle/>
           <a:p>
-            <a:endParaRPr lang="lv-LV"/>
-          </a:p>
-        </p:txBody>
-      </p:sp>
-      <p:sp>
-        <p:nvSpPr>
-          <p:cNvPr id="7" name="Slide Number Placeholder 6">
-            <a:extLst>
-              <a:ext uri="{FF2B5EF4-FFF2-40B4-BE49-F238E27FC236}">
-                <a16:creationId xmlns:a16="http://schemas.microsoft.com/office/drawing/2014/main" id="{C553A957-09F5-ABB0-2DAB-A39EF683B97E}"/>
-              </a:ext>
-            </a:extLst>
-          </p:cNvPr>
+            <a:endParaRPr lang="en-US" dirty="0"/>
+          </a:p>
+        </p:txBody>
+      </p:sp>
+      <p:sp>
+        <p:nvSpPr>
+          <p:cNvPr id="7" name="Slide Number Placeholder 6"/>
           <p:cNvSpPr>
             <a:spLocks noGrp="1"/>
           </p:cNvSpPr>
@@ -2745,7 +2417,7 @@
     </p:spTree>
     <p:extLst>
       <p:ext uri="{BB962C8B-B14F-4D97-AF65-F5344CB8AC3E}">
-        <p14:creationId xmlns:p14="http://schemas.microsoft.com/office/powerpoint/2010/main" val="262577416"/>
+        <p14:creationId xmlns:p14="http://schemas.microsoft.com/office/powerpoint/2010/main" val="423232076"/>
       </p:ext>
     </p:extLst>
   </p:cSld>
@@ -2779,13 +2451,7 @@
       </p:grpSpPr>
       <p:sp>
         <p:nvSpPr>
-          <p:cNvPr id="2" name="Title Placeholder 1">
-            <a:extLst>
-              <a:ext uri="{FF2B5EF4-FFF2-40B4-BE49-F238E27FC236}">
-                <a16:creationId xmlns:a16="http://schemas.microsoft.com/office/drawing/2014/main" id="{DBB7B908-184F-C998-4DA7-B870436F704D}"/>
-              </a:ext>
-            </a:extLst>
-          </p:cNvPr>
+          <p:cNvPr id="2" name="Title Placeholder 1"/>
           <p:cNvSpPr>
             <a:spLocks noGrp="1"/>
           </p:cNvSpPr>
@@ -2812,19 +2478,13 @@
               <a:rPr lang="en-US"/>
               <a:t>Click to edit Master title style</a:t>
             </a:r>
-            <a:endParaRPr lang="lv-LV"/>
-          </a:p>
-        </p:txBody>
-      </p:sp>
-      <p:sp>
-        <p:nvSpPr>
-          <p:cNvPr id="3" name="Text Placeholder 2">
-            <a:extLst>
-              <a:ext uri="{FF2B5EF4-FFF2-40B4-BE49-F238E27FC236}">
-                <a16:creationId xmlns:a16="http://schemas.microsoft.com/office/drawing/2014/main" id="{856B5547-23ED-BB49-1751-9DF1F088BF1D}"/>
-              </a:ext>
-            </a:extLst>
-          </p:cNvPr>
+            <a:endParaRPr lang="en-US" dirty="0"/>
+          </a:p>
+        </p:txBody>
+      </p:sp>
+      <p:sp>
+        <p:nvSpPr>
+          <p:cNvPr id="3" name="Text Placeholder 2"/>
           <p:cNvSpPr>
             <a:spLocks noGrp="1"/>
           </p:cNvSpPr>
@@ -2880,19 +2540,13 @@
               <a:rPr lang="en-US"/>
               <a:t>Fifth level</a:t>
             </a:r>
-            <a:endParaRPr lang="lv-LV"/>
-          </a:p>
-        </p:txBody>
-      </p:sp>
-      <p:sp>
-        <p:nvSpPr>
-          <p:cNvPr id="4" name="Date Placeholder 3">
-            <a:extLst>
-              <a:ext uri="{FF2B5EF4-FFF2-40B4-BE49-F238E27FC236}">
-                <a16:creationId xmlns:a16="http://schemas.microsoft.com/office/drawing/2014/main" id="{4569B1CC-F7D9-7F9B-DA09-4405425ED942}"/>
-              </a:ext>
-            </a:extLst>
-          </p:cNvPr>
+            <a:endParaRPr lang="en-US" dirty="0"/>
+          </a:p>
+        </p:txBody>
+      </p:sp>
+      <p:sp>
+        <p:nvSpPr>
+          <p:cNvPr id="4" name="Date Placeholder 3"/>
           <p:cNvSpPr>
             <a:spLocks noGrp="1"/>
           </p:cNvSpPr>
@@ -2933,13 +2587,7 @@
       </p:sp>
       <p:sp>
         <p:nvSpPr>
-          <p:cNvPr id="5" name="Footer Placeholder 4">
-            <a:extLst>
-              <a:ext uri="{FF2B5EF4-FFF2-40B4-BE49-F238E27FC236}">
-                <a16:creationId xmlns:a16="http://schemas.microsoft.com/office/drawing/2014/main" id="{33198D75-FFEB-8CFF-B142-25305B1C8B40}"/>
-              </a:ext>
-            </a:extLst>
-          </p:cNvPr>
+          <p:cNvPr id="5" name="Footer Placeholder 4"/>
           <p:cNvSpPr>
             <a:spLocks noGrp="1"/>
           </p:cNvSpPr>
@@ -2976,13 +2624,7 @@
       </p:sp>
       <p:sp>
         <p:nvSpPr>
-          <p:cNvPr id="6" name="Slide Number Placeholder 5">
-            <a:extLst>
-              <a:ext uri="{FF2B5EF4-FFF2-40B4-BE49-F238E27FC236}">
-                <a16:creationId xmlns:a16="http://schemas.microsoft.com/office/drawing/2014/main" id="{2B959716-156B-EE78-7E67-34E0C432A29E}"/>
-              </a:ext>
-            </a:extLst>
-          </p:cNvPr>
+          <p:cNvPr id="6" name="Slide Number Placeholder 5"/>
           <p:cNvSpPr>
             <a:spLocks noGrp="1"/>
           </p:cNvSpPr>
@@ -3024,23 +2666,23 @@
     </p:spTree>
     <p:extLst>
       <p:ext uri="{BB962C8B-B14F-4D97-AF65-F5344CB8AC3E}">
-        <p14:creationId xmlns:p14="http://schemas.microsoft.com/office/powerpoint/2010/main" val="1364872019"/>
+        <p14:creationId xmlns:p14="http://schemas.microsoft.com/office/powerpoint/2010/main" val="3320678422"/>
       </p:ext>
     </p:extLst>
   </p:cSld>
   <p:clrMap bg1="lt1" tx1="dk1" bg2="lt2" tx2="dk2" accent1="accent1" accent2="accent2" accent3="accent3" accent4="accent4" accent5="accent5" accent6="accent6" hlink="hlink" folHlink="folHlink"/>
   <p:sldLayoutIdLst>
-    <p:sldLayoutId id="2147483649" r:id="rId1"/>
-    <p:sldLayoutId id="2147483650" r:id="rId2"/>
-    <p:sldLayoutId id="2147483651" r:id="rId3"/>
-    <p:sldLayoutId id="2147483652" r:id="rId4"/>
-    <p:sldLayoutId id="2147483653" r:id="rId5"/>
-    <p:sldLayoutId id="2147483654" r:id="rId6"/>
-    <p:sldLayoutId id="2147483655" r:id="rId7"/>
-    <p:sldLayoutId id="2147483656" r:id="rId8"/>
-    <p:sldLayoutId id="2147483657" r:id="rId9"/>
-    <p:sldLayoutId id="2147483658" r:id="rId10"/>
-    <p:sldLayoutId id="2147483659" r:id="rId11"/>
+    <p:sldLayoutId id="2147483899" r:id="rId1"/>
+    <p:sldLayoutId id="2147483900" r:id="rId2"/>
+    <p:sldLayoutId id="2147483901" r:id="rId3"/>
+    <p:sldLayoutId id="2147483902" r:id="rId4"/>
+    <p:sldLayoutId id="2147483903" r:id="rId5"/>
+    <p:sldLayoutId id="2147483904" r:id="rId6"/>
+    <p:sldLayoutId id="2147483905" r:id="rId7"/>
+    <p:sldLayoutId id="2147483906" r:id="rId8"/>
+    <p:sldLayoutId id="2147483907" r:id="rId9"/>
+    <p:sldLayoutId id="2147483908" r:id="rId10"/>
+    <p:sldLayoutId id="2147483909" r:id="rId11"/>
   </p:sldLayoutIdLst>
   <p:txStyles>
     <p:titleStyle>
@@ -3396,7 +3038,7 @@
         </p:nvSpPr>
         <p:spPr>
           <a:xfrm>
-            <a:off x="1524000" y="1382713"/>
+            <a:off x="1524000" y="1373188"/>
             <a:ext cx="9144000" cy="1655762"/>
           </a:xfrm>
         </p:spPr>
@@ -3423,14 +3065,14 @@
           <p:nvPr>
             <p:extLst>
               <p:ext uri="{D42A27DB-BD31-4B8C-83A1-F6EECF244321}">
-                <p14:modId xmlns:p14="http://schemas.microsoft.com/office/powerpoint/2010/main" val="4255390702"/>
+                <p14:modId xmlns:p14="http://schemas.microsoft.com/office/powerpoint/2010/main" val="67840796"/>
               </p:ext>
             </p:extLst>
           </p:nvPr>
         </p:nvGraphicFramePr>
         <p:xfrm>
-          <a:off x="2032000" y="1123950"/>
-          <a:ext cx="8128000" cy="4211320"/>
+          <a:off x="2032000" y="932815"/>
+          <a:ext cx="8128000" cy="3942080"/>
         </p:xfrm>
         <a:graphic>
           <a:graphicData uri="http://schemas.openxmlformats.org/drawingml/2006/table">
@@ -3461,10 +3103,9 @@
                     <a:lstStyle/>
                     <a:p>
                       <a:r>
-                        <a:rPr lang="en-US" dirty="0" err="1"/>
+                        <a:rPr lang="lv-LV" noProof="0" dirty="0"/>
                         <a:t>Dalībnieks</a:t>
                       </a:r>
-                      <a:endParaRPr lang="lv-LV" dirty="0"/>
                     </a:p>
                   </a:txBody>
                   <a:tcPr/>
@@ -3475,10 +3116,9 @@
                     <a:lstStyle/>
                     <a:p>
                       <a:r>
-                        <a:rPr lang="en-US" dirty="0" err="1"/>
+                        <a:rPr lang="lv-LV" noProof="0" dirty="0"/>
                         <a:t>Paveiktais</a:t>
                       </a:r>
-                      <a:endParaRPr lang="lv-LV" dirty="0"/>
                     </a:p>
                   </a:txBody>
                   <a:tcPr/>
@@ -3496,18 +3136,14 @@
                     <a:lstStyle/>
                     <a:p>
                       <a:r>
-                        <a:rPr lang="en-US" dirty="0" err="1"/>
-                        <a:t>Dāvids</a:t>
+                        <a:rPr lang="lv-LV" noProof="0" dirty="0"/>
+                        <a:t>Dāvids </a:t>
                       </a:r>
                       <a:r>
-                        <a:rPr lang="en-US" dirty="0"/>
-                        <a:t> </a:t>
-                      </a:r>
-                      <a:r>
-                        <a:rPr lang="en-US" dirty="0" err="1"/>
+                        <a:rPr lang="lv-LV" noProof="0" dirty="0" err="1"/>
                         <a:t>Ceimers</a:t>
                       </a:r>
-                      <a:endParaRPr lang="lv-LV" dirty="0"/>
+                      <a:endParaRPr lang="lv-LV" noProof="0" dirty="0"/>
                     </a:p>
                   </a:txBody>
                   <a:tcPr/>
@@ -3518,46 +3154,9 @@
                     <a:lstStyle/>
                     <a:p>
                       <a:r>
-                        <a:rPr lang="en-US" dirty="0" err="1"/>
-                        <a:t>Tehnoloģiju</a:t>
+                        <a:rPr lang="lv-LV" noProof="0" dirty="0"/>
+                        <a:t>Tehnoloģiju steka, konceptu modeļa izveide, DB izveide</a:t>
                       </a:r>
-                      <a:r>
-                        <a:rPr lang="en-US" dirty="0"/>
-                        <a:t> </a:t>
-                      </a:r>
-                      <a:r>
-                        <a:rPr lang="en-US" dirty="0" err="1"/>
-                        <a:t>steka</a:t>
-                      </a:r>
-                      <a:r>
-                        <a:rPr lang="en-US" dirty="0"/>
-                        <a:t>, </a:t>
-                      </a:r>
-                      <a:r>
-                        <a:rPr lang="en-US" dirty="0" err="1"/>
-                        <a:t>konceptu</a:t>
-                      </a:r>
-                      <a:r>
-                        <a:rPr lang="en-US" dirty="0"/>
-                        <a:t> </a:t>
-                      </a:r>
-                      <a:r>
-                        <a:rPr lang="en-US" dirty="0" err="1"/>
-                        <a:t>modeļa</a:t>
-                      </a:r>
-                      <a:r>
-                        <a:rPr lang="en-US" dirty="0"/>
-                        <a:t> </a:t>
-                      </a:r>
-                      <a:r>
-                        <a:rPr lang="en-US" dirty="0" err="1"/>
-                        <a:t>izveide</a:t>
-                      </a:r>
-                      <a:r>
-                        <a:rPr lang="en-US" dirty="0"/>
-                        <a:t>, </a:t>
-                      </a:r>
-                      <a:endParaRPr lang="lv-LV" dirty="0"/>
                     </a:p>
                   </a:txBody>
                   <a:tcPr/>
@@ -3575,14 +3174,9 @@
                     <a:lstStyle/>
                     <a:p>
                       <a:r>
-                        <a:rPr lang="en-US" dirty="0"/>
-                        <a:t>Andris </a:t>
+                        <a:rPr lang="lv-LV" noProof="0" dirty="0"/>
+                        <a:t>Andris Martinsons</a:t>
                       </a:r>
-                      <a:r>
-                        <a:rPr lang="en-US" dirty="0" err="1"/>
-                        <a:t>Martinsons</a:t>
-                      </a:r>
-                      <a:endParaRPr lang="lv-LV" dirty="0"/>
                     </a:p>
                   </a:txBody>
                   <a:tcPr/>
@@ -3610,46 +3204,9 @@
                         <a:defRPr/>
                       </a:pPr>
                       <a:r>
-                        <a:rPr lang="en-US" dirty="0" err="1"/>
-                        <a:t>Tehnoloģiju</a:t>
+                        <a:rPr lang="lv-LV" noProof="0" dirty="0"/>
+                        <a:t>Tehnoloģiju steka, konceptu modeļa izveide, VM izveide</a:t>
                       </a:r>
-                      <a:r>
-                        <a:rPr lang="en-US" dirty="0"/>
-                        <a:t> </a:t>
-                      </a:r>
-                      <a:r>
-                        <a:rPr lang="en-US" dirty="0" err="1"/>
-                        <a:t>steka</a:t>
-                      </a:r>
-                      <a:r>
-                        <a:rPr lang="en-US" dirty="0"/>
-                        <a:t>, </a:t>
-                      </a:r>
-                      <a:r>
-                        <a:rPr lang="en-US" dirty="0" err="1"/>
-                        <a:t>konceptu</a:t>
-                      </a:r>
-                      <a:r>
-                        <a:rPr lang="en-US" dirty="0"/>
-                        <a:t> </a:t>
-                      </a:r>
-                      <a:r>
-                        <a:rPr lang="en-US" dirty="0" err="1"/>
-                        <a:t>modeļa</a:t>
-                      </a:r>
-                      <a:r>
-                        <a:rPr lang="en-US" dirty="0"/>
-                        <a:t> </a:t>
-                      </a:r>
-                      <a:r>
-                        <a:rPr lang="en-US" dirty="0" err="1"/>
-                        <a:t>izveide</a:t>
-                      </a:r>
-                      <a:r>
-                        <a:rPr lang="en-US" dirty="0"/>
-                        <a:t>, </a:t>
-                      </a:r>
-                      <a:endParaRPr lang="lv-LV" dirty="0"/>
                     </a:p>
                   </a:txBody>
                   <a:tcPr/>
@@ -3667,10 +3224,9 @@
                     <a:lstStyle/>
                     <a:p>
                       <a:r>
-                        <a:rPr lang="en-US" dirty="0"/>
+                        <a:rPr lang="lv-LV" noProof="0" dirty="0"/>
                         <a:t>Valters Kurmis</a:t>
                       </a:r>
-                      <a:endParaRPr lang="lv-LV" dirty="0"/>
                     </a:p>
                   </a:txBody>
                   <a:tcPr/>
@@ -3698,46 +3254,9 @@
                         <a:defRPr/>
                       </a:pPr>
                       <a:r>
-                        <a:rPr lang="en-US" dirty="0" err="1"/>
-                        <a:t>Tehnoloģiju</a:t>
+                        <a:rPr lang="lv-LV" noProof="0" dirty="0"/>
+                        <a:t>Tehnoloģiju steka, konceptu modeļa izveide, DB izveide</a:t>
                       </a:r>
-                      <a:r>
-                        <a:rPr lang="en-US" dirty="0"/>
-                        <a:t> </a:t>
-                      </a:r>
-                      <a:r>
-                        <a:rPr lang="en-US" dirty="0" err="1"/>
-                        <a:t>steka</a:t>
-                      </a:r>
-                      <a:r>
-                        <a:rPr lang="en-US" dirty="0"/>
-                        <a:t>, </a:t>
-                      </a:r>
-                      <a:r>
-                        <a:rPr lang="en-US" dirty="0" err="1"/>
-                        <a:t>konceptu</a:t>
-                      </a:r>
-                      <a:r>
-                        <a:rPr lang="en-US" dirty="0"/>
-                        <a:t> </a:t>
-                      </a:r>
-                      <a:r>
-                        <a:rPr lang="en-US" dirty="0" err="1"/>
-                        <a:t>modeļa</a:t>
-                      </a:r>
-                      <a:r>
-                        <a:rPr lang="en-US" dirty="0"/>
-                        <a:t> </a:t>
-                      </a:r>
-                      <a:r>
-                        <a:rPr lang="en-US" dirty="0" err="1"/>
-                        <a:t>izveide</a:t>
-                      </a:r>
-                      <a:r>
-                        <a:rPr lang="en-US" dirty="0"/>
-                        <a:t>, </a:t>
-                      </a:r>
-                      <a:endParaRPr lang="lv-LV" dirty="0"/>
                     </a:p>
                   </a:txBody>
                   <a:tcPr/>
@@ -3755,18 +3274,9 @@
                     <a:lstStyle/>
                     <a:p>
                       <a:r>
-                        <a:rPr lang="en-US" dirty="0" err="1"/>
-                        <a:t>Emīls</a:t>
+                        <a:rPr lang="lv-LV" noProof="0" dirty="0"/>
+                        <a:t>Emīls Krūmiņš</a:t>
                       </a:r>
-                      <a:r>
-                        <a:rPr lang="en-US" dirty="0"/>
-                        <a:t> </a:t>
-                      </a:r>
-                      <a:r>
-                        <a:rPr lang="en-US" dirty="0" err="1"/>
-                        <a:t>Krūmiņš</a:t>
-                      </a:r>
-                      <a:endParaRPr lang="lv-LV" dirty="0"/>
                     </a:p>
                   </a:txBody>
                   <a:tcPr/>
@@ -3794,46 +3304,9 @@
                         <a:defRPr/>
                       </a:pPr>
                       <a:r>
-                        <a:rPr lang="en-US" dirty="0" err="1"/>
-                        <a:t>Tehnoloģiju</a:t>
+                        <a:rPr lang="lv-LV" noProof="0" dirty="0"/>
+                        <a:t>Tehnoloģiju steka, konceptu modeļa izveide, algoritma izveide</a:t>
                       </a:r>
-                      <a:r>
-                        <a:rPr lang="en-US" dirty="0"/>
-                        <a:t> </a:t>
-                      </a:r>
-                      <a:r>
-                        <a:rPr lang="en-US" dirty="0" err="1"/>
-                        <a:t>steka</a:t>
-                      </a:r>
-                      <a:r>
-                        <a:rPr lang="en-US" dirty="0"/>
-                        <a:t>, </a:t>
-                      </a:r>
-                      <a:r>
-                        <a:rPr lang="en-US" dirty="0" err="1"/>
-                        <a:t>konceptu</a:t>
-                      </a:r>
-                      <a:r>
-                        <a:rPr lang="en-US" dirty="0"/>
-                        <a:t> </a:t>
-                      </a:r>
-                      <a:r>
-                        <a:rPr lang="en-US" dirty="0" err="1"/>
-                        <a:t>modeļa</a:t>
-                      </a:r>
-                      <a:r>
-                        <a:rPr lang="en-US" dirty="0"/>
-                        <a:t> </a:t>
-                      </a:r>
-                      <a:r>
-                        <a:rPr lang="en-US" dirty="0" err="1"/>
-                        <a:t>izveide</a:t>
-                      </a:r>
-                      <a:r>
-                        <a:rPr lang="en-US" dirty="0"/>
-                        <a:t>, </a:t>
-                      </a:r>
-                      <a:endParaRPr lang="lv-LV" dirty="0"/>
                     </a:p>
                   </a:txBody>
                   <a:tcPr/>
@@ -3851,18 +3324,17 @@
                     <a:lstStyle/>
                     <a:p>
                       <a:r>
-                        <a:rPr lang="en-US" dirty="0" err="1"/>
-                        <a:t>Mārtiņš</a:t>
+                        <a:rPr lang="lv-LV" noProof="0" dirty="0"/>
+                        <a:t>Mārtiņš </a:t>
                       </a:r>
                       <a:r>
-                        <a:rPr lang="en-US" dirty="0"/>
-                        <a:t> Evarts </a:t>
+                        <a:rPr lang="lv-LV" noProof="0" dirty="0" err="1"/>
+                        <a:t>Evarts</a:t>
                       </a:r>
                       <a:r>
-                        <a:rPr lang="en-US" dirty="0" err="1"/>
-                        <a:t>Zviedris</a:t>
+                        <a:rPr lang="lv-LV" noProof="0" dirty="0"/>
+                        <a:t> Zviedris</a:t>
                       </a:r>
-                      <a:endParaRPr lang="lv-LV" dirty="0"/>
                     </a:p>
                   </a:txBody>
                   <a:tcPr/>
@@ -3890,46 +3362,9 @@
                         <a:defRPr/>
                       </a:pPr>
                       <a:r>
-                        <a:rPr lang="en-US" dirty="0" err="1"/>
-                        <a:t>Tehnoloģiju</a:t>
+                        <a:rPr lang="lv-LV" noProof="0" dirty="0"/>
+                        <a:t>Tehnoloģiju steka, konceptu modeļa izveide, DB izveide</a:t>
                       </a:r>
-                      <a:r>
-                        <a:rPr lang="en-US" dirty="0"/>
-                        <a:t> </a:t>
-                      </a:r>
-                      <a:r>
-                        <a:rPr lang="en-US" dirty="0" err="1"/>
-                        <a:t>steka</a:t>
-                      </a:r>
-                      <a:r>
-                        <a:rPr lang="en-US" dirty="0"/>
-                        <a:t>, </a:t>
-                      </a:r>
-                      <a:r>
-                        <a:rPr lang="en-US" dirty="0" err="1"/>
-                        <a:t>konceptu</a:t>
-                      </a:r>
-                      <a:r>
-                        <a:rPr lang="en-US" dirty="0"/>
-                        <a:t> </a:t>
-                      </a:r>
-                      <a:r>
-                        <a:rPr lang="en-US" dirty="0" err="1"/>
-                        <a:t>modeļa</a:t>
-                      </a:r>
-                      <a:r>
-                        <a:rPr lang="en-US" dirty="0"/>
-                        <a:t> </a:t>
-                      </a:r>
-                      <a:r>
-                        <a:rPr lang="en-US" dirty="0" err="1"/>
-                        <a:t>izveide</a:t>
-                      </a:r>
-                      <a:r>
-                        <a:rPr lang="en-US" dirty="0"/>
-                        <a:t>, </a:t>
-                      </a:r>
-                      <a:endParaRPr lang="lv-LV" dirty="0"/>
                     </a:p>
                   </a:txBody>
                   <a:tcPr/>
@@ -3947,18 +3382,14 @@
                     <a:lstStyle/>
                     <a:p>
                       <a:r>
-                        <a:rPr lang="en-US" dirty="0" err="1"/>
-                        <a:t>Sandis</a:t>
+                        <a:rPr lang="lv-LV" noProof="0" dirty="0"/>
+                        <a:t>Sandis </a:t>
                       </a:r>
                       <a:r>
-                        <a:rPr lang="en-US" dirty="0"/>
-                        <a:t> </a:t>
-                      </a:r>
-                      <a:r>
-                        <a:rPr lang="en-US" dirty="0" err="1"/>
+                        <a:rPr lang="lv-LV" noProof="0" dirty="0" err="1"/>
                         <a:t>Šarkovskis</a:t>
                       </a:r>
-                      <a:endParaRPr lang="lv-LV" dirty="0"/>
+                      <a:endParaRPr lang="lv-LV" noProof="0" dirty="0"/>
                     </a:p>
                   </a:txBody>
                   <a:tcPr/>
@@ -3986,46 +3417,9 @@
                         <a:defRPr/>
                       </a:pPr>
                       <a:r>
-                        <a:rPr lang="en-US" dirty="0" err="1"/>
-                        <a:t>Tehnoloģiju</a:t>
+                        <a:rPr lang="lv-LV" noProof="0" dirty="0"/>
+                        <a:t>Tehnoloģiju steka, DB izveide</a:t>
                       </a:r>
-                      <a:r>
-                        <a:rPr lang="en-US" dirty="0"/>
-                        <a:t> </a:t>
-                      </a:r>
-                      <a:r>
-                        <a:rPr lang="en-US" dirty="0" err="1"/>
-                        <a:t>steka</a:t>
-                      </a:r>
-                      <a:r>
-                        <a:rPr lang="en-US" dirty="0"/>
-                        <a:t>, </a:t>
-                      </a:r>
-                      <a:r>
-                        <a:rPr lang="en-US" dirty="0" err="1"/>
-                        <a:t>konceptu</a:t>
-                      </a:r>
-                      <a:r>
-                        <a:rPr lang="en-US" dirty="0"/>
-                        <a:t> </a:t>
-                      </a:r>
-                      <a:r>
-                        <a:rPr lang="en-US" dirty="0" err="1"/>
-                        <a:t>modeļa</a:t>
-                      </a:r>
-                      <a:r>
-                        <a:rPr lang="en-US" dirty="0"/>
-                        <a:t> </a:t>
-                      </a:r>
-                      <a:r>
-                        <a:rPr lang="en-US" dirty="0" err="1"/>
-                        <a:t>izveide</a:t>
-                      </a:r>
-                      <a:r>
-                        <a:rPr lang="en-US" dirty="0"/>
-                        <a:t>, </a:t>
-                      </a:r>
-                      <a:endParaRPr lang="lv-LV" dirty="0"/>
                     </a:p>
                   </a:txBody>
                   <a:tcPr/>
@@ -4053,10 +3447,759 @@
 </p:sld>
 </file>
 
+<file path=ppt/slides/slide2.xml><?xml version="1.0" encoding="utf-8"?>
+<p:sld xmlns:a="http://schemas.openxmlformats.org/drawingml/2006/main" xmlns:r="http://schemas.openxmlformats.org/officeDocument/2006/relationships" xmlns:p="http://schemas.openxmlformats.org/presentationml/2006/main">
+  <p:cSld>
+    <p:spTree>
+      <p:nvGrpSpPr>
+        <p:cNvPr id="1" name=""/>
+        <p:cNvGrpSpPr/>
+        <p:nvPr/>
+      </p:nvGrpSpPr>
+      <p:grpSpPr>
+        <a:xfrm>
+          <a:off x="0" y="0"/>
+          <a:ext cx="0" cy="0"/>
+          <a:chOff x="0" y="0"/>
+          <a:chExt cx="0" cy="0"/>
+        </a:xfrm>
+      </p:grpSpPr>
+      <p:sp>
+        <p:nvSpPr>
+          <p:cNvPr id="2" name="Title 1">
+            <a:extLst>
+              <a:ext uri="{FF2B5EF4-FFF2-40B4-BE49-F238E27FC236}">
+                <a16:creationId xmlns:a16="http://schemas.microsoft.com/office/drawing/2014/main" id="{6AF3C73E-163E-C666-46E6-95206FBE6119}"/>
+              </a:ext>
+            </a:extLst>
+          </p:cNvPr>
+          <p:cNvSpPr>
+            <a:spLocks noGrp="1"/>
+          </p:cNvSpPr>
+          <p:nvPr>
+            <p:ph type="title"/>
+          </p:nvPr>
+        </p:nvSpPr>
+        <p:spPr>
+          <a:xfrm>
+            <a:off x="839010" y="97276"/>
+            <a:ext cx="10513979" cy="627096"/>
+          </a:xfrm>
+        </p:spPr>
+        <p:txBody>
+          <a:bodyPr>
+            <a:normAutofit/>
+          </a:bodyPr>
+          <a:lstStyle/>
+          <a:p>
+            <a:pPr algn="ctr"/>
+            <a:r>
+              <a:rPr lang="lv-LV" sz="3600" b="1" noProof="0" dirty="0"/>
+              <a:t>Konceptu modelis un tehnoloģiju steks</a:t>
+            </a:r>
+          </a:p>
+        </p:txBody>
+      </p:sp>
+      <p:pic>
+        <p:nvPicPr>
+          <p:cNvPr id="5" name="Content Placeholder 4" descr="A diagram of a company&#10;&#10;Description automatically generated">
+            <a:extLst>
+              <a:ext uri="{FF2B5EF4-FFF2-40B4-BE49-F238E27FC236}">
+                <a16:creationId xmlns:a16="http://schemas.microsoft.com/office/drawing/2014/main" id="{083EF405-6437-06D8-B2A5-20675AD08C37}"/>
+              </a:ext>
+            </a:extLst>
+          </p:cNvPr>
+          <p:cNvPicPr>
+            <a:picLocks noGrp="1" noChangeAspect="1"/>
+          </p:cNvPicPr>
+          <p:nvPr>
+            <p:ph idx="1"/>
+          </p:nvPr>
+        </p:nvPicPr>
+        <p:blipFill>
+          <a:blip r:embed="rId2">
+            <a:extLst>
+              <a:ext uri="{28A0092B-C50C-407E-A947-70E740481C1C}">
+                <a14:useLocalDpi xmlns:a14="http://schemas.microsoft.com/office/drawing/2010/main" val="0"/>
+              </a:ext>
+            </a:extLst>
+          </a:blip>
+          <a:stretch>
+            <a:fillRect/>
+          </a:stretch>
+        </p:blipFill>
+        <p:spPr>
+          <a:xfrm>
+            <a:off x="632944" y="747628"/>
+            <a:ext cx="6643346" cy="6013096"/>
+          </a:xfrm>
+        </p:spPr>
+      </p:pic>
+      <p:graphicFrame>
+        <p:nvGraphicFramePr>
+          <p:cNvPr id="6" name="Table 5">
+            <a:extLst>
+              <a:ext uri="{FF2B5EF4-FFF2-40B4-BE49-F238E27FC236}">
+                <a16:creationId xmlns:a16="http://schemas.microsoft.com/office/drawing/2014/main" id="{087BA8FC-2AC2-D6D1-7D47-D289868E714B}"/>
+              </a:ext>
+            </a:extLst>
+          </p:cNvPr>
+          <p:cNvGraphicFramePr>
+            <a:graphicFrameLocks noGrp="1"/>
+          </p:cNvGraphicFramePr>
+          <p:nvPr>
+            <p:extLst>
+              <p:ext uri="{D42A27DB-BD31-4B8C-83A1-F6EECF244321}">
+                <p14:modId xmlns:p14="http://schemas.microsoft.com/office/powerpoint/2010/main" val="1274120732"/>
+              </p:ext>
+            </p:extLst>
+          </p:nvPr>
+        </p:nvGraphicFramePr>
+        <p:xfrm>
+          <a:off x="8099425" y="926571"/>
+          <a:ext cx="3631081" cy="4713135"/>
+        </p:xfrm>
+        <a:graphic>
+          <a:graphicData uri="http://schemas.openxmlformats.org/drawingml/2006/table">
+            <a:tbl>
+              <a:tblPr firstRow="1" bandRow="1">
+                <a:tableStyleId>{5C22544A-7EE6-4342-B048-85BDC9FD1C3A}</a:tableStyleId>
+              </a:tblPr>
+              <a:tblGrid>
+                <a:gridCol w="3631081">
+                  <a:extLst>
+                    <a:ext uri="{9D8B030D-6E8A-4147-A177-3AD203B41FA5}">
+                      <a16:colId xmlns:a16="http://schemas.microsoft.com/office/drawing/2014/main" val="1367766196"/>
+                    </a:ext>
+                  </a:extLst>
+                </a:gridCol>
+              </a:tblGrid>
+              <a:tr h="406929">
+                <a:tc>
+                  <a:txBody>
+                    <a:bodyPr/>
+                    <a:lstStyle/>
+                    <a:p>
+                      <a:r>
+                        <a:rPr lang="lv-LV" noProof="0" dirty="0"/>
+                        <a:t>Tehnoloģiju steks</a:t>
+                      </a:r>
+                    </a:p>
+                  </a:txBody>
+                  <a:tcPr/>
+                </a:tc>
+                <a:extLst>
+                  <a:ext uri="{0D108BD9-81ED-4DB2-BD59-A6C34878D82A}">
+                    <a16:rowId xmlns:a16="http://schemas.microsoft.com/office/drawing/2014/main" val="1600910816"/>
+                  </a:ext>
+                </a:extLst>
+              </a:tr>
+              <a:tr h="717701">
+                <a:tc>
+                  <a:txBody>
+                    <a:bodyPr/>
+                    <a:lstStyle/>
+                    <a:p>
+                      <a:r>
+                        <a:rPr lang="lv-LV" sz="1800" kern="1200" noProof="0" dirty="0">
+                          <a:solidFill>
+                            <a:schemeClr val="dk1"/>
+                          </a:solidFill>
+                          <a:latin typeface="+mn-lt"/>
+                          <a:ea typeface="+mn-ea"/>
+                          <a:cs typeface="+mn-cs"/>
+                        </a:rPr>
+                        <a:t>Satvars: </a:t>
+                      </a:r>
+                      <a:r>
+                        <a:rPr lang="lv-LV" sz="1800" kern="1200" noProof="0" dirty="0" err="1">
+                          <a:solidFill>
+                            <a:schemeClr val="dk1"/>
+                          </a:solidFill>
+                          <a:latin typeface="+mn-lt"/>
+                          <a:ea typeface="+mn-ea"/>
+                          <a:cs typeface="+mn-cs"/>
+                        </a:rPr>
+                        <a:t>Python</a:t>
+                      </a:r>
+                      <a:r>
+                        <a:rPr lang="lv-LV" sz="1800" kern="1200" noProof="0" dirty="0">
+                          <a:solidFill>
+                            <a:schemeClr val="dk1"/>
+                          </a:solidFill>
+                          <a:latin typeface="+mn-lt"/>
+                          <a:ea typeface="+mn-ea"/>
+                          <a:cs typeface="+mn-cs"/>
+                        </a:rPr>
+                        <a:t> </a:t>
+                      </a:r>
+                      <a:r>
+                        <a:rPr lang="lv-LV" sz="1800" kern="1200" noProof="0" dirty="0" err="1">
+                          <a:solidFill>
+                            <a:schemeClr val="dk1"/>
+                          </a:solidFill>
+                          <a:latin typeface="+mn-lt"/>
+                          <a:ea typeface="+mn-ea"/>
+                          <a:cs typeface="+mn-cs"/>
+                        </a:rPr>
+                        <a:t>Flask</a:t>
+                      </a:r>
+                      <a:endParaRPr lang="lv-LV" sz="1800" kern="1200" noProof="0" dirty="0">
+                        <a:solidFill>
+                          <a:schemeClr val="dk1"/>
+                        </a:solidFill>
+                        <a:latin typeface="+mn-lt"/>
+                        <a:ea typeface="+mn-ea"/>
+                        <a:cs typeface="+mn-cs"/>
+                      </a:endParaRPr>
+                    </a:p>
+                  </a:txBody>
+                  <a:tcPr/>
+                </a:tc>
+                <a:extLst>
+                  <a:ext uri="{0D108BD9-81ED-4DB2-BD59-A6C34878D82A}">
+                    <a16:rowId xmlns:a16="http://schemas.microsoft.com/office/drawing/2014/main" val="135857873"/>
+                  </a:ext>
+                </a:extLst>
+              </a:tr>
+              <a:tr h="717701">
+                <a:tc>
+                  <a:txBody>
+                    <a:bodyPr/>
+                    <a:lstStyle/>
+                    <a:p>
+                      <a:r>
+                        <a:rPr lang="lv-LV" noProof="0" dirty="0"/>
+                        <a:t>Programmēšanas valoda: </a:t>
+                      </a:r>
+                      <a:r>
+                        <a:rPr lang="lv-LV" noProof="0" dirty="0" err="1"/>
+                        <a:t>Python</a:t>
+                      </a:r>
+                      <a:endParaRPr lang="lv-LV" noProof="0" dirty="0"/>
+                    </a:p>
+                  </a:txBody>
+                  <a:tcPr/>
+                </a:tc>
+                <a:extLst>
+                  <a:ext uri="{0D108BD9-81ED-4DB2-BD59-A6C34878D82A}">
+                    <a16:rowId xmlns:a16="http://schemas.microsoft.com/office/drawing/2014/main" val="2125738375"/>
+                  </a:ext>
+                </a:extLst>
+              </a:tr>
+              <a:tr h="717701">
+                <a:tc>
+                  <a:txBody>
+                    <a:bodyPr/>
+                    <a:lstStyle/>
+                    <a:p>
+                      <a:r>
+                        <a:rPr lang="lv-LV" noProof="0" dirty="0"/>
+                        <a:t>Datu bāze: </a:t>
+                      </a:r>
+                      <a:r>
+                        <a:rPr lang="lv-LV" noProof="0" dirty="0" err="1"/>
+                        <a:t>MongoDB</a:t>
+                      </a:r>
+                      <a:endParaRPr lang="lv-LV" noProof="0" dirty="0"/>
+                    </a:p>
+                  </a:txBody>
+                  <a:tcPr/>
+                </a:tc>
+                <a:extLst>
+                  <a:ext uri="{0D108BD9-81ED-4DB2-BD59-A6C34878D82A}">
+                    <a16:rowId xmlns:a16="http://schemas.microsoft.com/office/drawing/2014/main" val="2803028117"/>
+                  </a:ext>
+                </a:extLst>
+              </a:tr>
+              <a:tr h="717701">
+                <a:tc>
+                  <a:txBody>
+                    <a:bodyPr/>
+                    <a:lstStyle/>
+                    <a:p>
+                      <a:r>
+                        <a:rPr lang="lv-LV" noProof="0" dirty="0"/>
+                        <a:t>Tīmekļa serveris: </a:t>
+                      </a:r>
+                      <a:r>
+                        <a:rPr lang="lv-LV" noProof="0" dirty="0" err="1"/>
+                        <a:t>Apache</a:t>
+                      </a:r>
+                      <a:endParaRPr lang="lv-LV" noProof="0" dirty="0"/>
+                    </a:p>
+                  </a:txBody>
+                  <a:tcPr/>
+                </a:tc>
+                <a:extLst>
+                  <a:ext uri="{0D108BD9-81ED-4DB2-BD59-A6C34878D82A}">
+                    <a16:rowId xmlns:a16="http://schemas.microsoft.com/office/drawing/2014/main" val="86810420"/>
+                  </a:ext>
+                </a:extLst>
+              </a:tr>
+              <a:tr h="717701">
+                <a:tc>
+                  <a:txBody>
+                    <a:bodyPr/>
+                    <a:lstStyle/>
+                    <a:p>
+                      <a:r>
+                        <a:rPr lang="lv-LV" noProof="0" dirty="0"/>
+                        <a:t>OS: </a:t>
+                      </a:r>
+                      <a:r>
+                        <a:rPr lang="lv-LV" noProof="0" dirty="0" err="1"/>
+                        <a:t>Ubuntu</a:t>
+                      </a:r>
+                      <a:endParaRPr lang="lv-LV" noProof="0" dirty="0"/>
+                    </a:p>
+                  </a:txBody>
+                  <a:tcPr/>
+                </a:tc>
+                <a:extLst>
+                  <a:ext uri="{0D108BD9-81ED-4DB2-BD59-A6C34878D82A}">
+                    <a16:rowId xmlns:a16="http://schemas.microsoft.com/office/drawing/2014/main" val="3276420318"/>
+                  </a:ext>
+                </a:extLst>
+              </a:tr>
+              <a:tr h="717701">
+                <a:tc>
+                  <a:txBody>
+                    <a:bodyPr/>
+                    <a:lstStyle/>
+                    <a:p>
+                      <a:r>
+                        <a:rPr lang="lv-LV" noProof="0" dirty="0"/>
+                        <a:t>Virtualizācija: Oracle VM </a:t>
+                      </a:r>
+                      <a:r>
+                        <a:rPr lang="lv-LV" noProof="0" dirty="0" err="1"/>
+                        <a:t>VirtualBox</a:t>
+                      </a:r>
+                      <a:endParaRPr lang="lv-LV" noProof="0" dirty="0"/>
+                    </a:p>
+                  </a:txBody>
+                  <a:tcPr/>
+                </a:tc>
+                <a:extLst>
+                  <a:ext uri="{0D108BD9-81ED-4DB2-BD59-A6C34878D82A}">
+                    <a16:rowId xmlns:a16="http://schemas.microsoft.com/office/drawing/2014/main" val="3723203969"/>
+                  </a:ext>
+                </a:extLst>
+              </a:tr>
+            </a:tbl>
+          </a:graphicData>
+        </a:graphic>
+      </p:graphicFrame>
+    </p:spTree>
+    <p:extLst>
+      <p:ext uri="{BB962C8B-B14F-4D97-AF65-F5344CB8AC3E}">
+        <p14:creationId xmlns:p14="http://schemas.microsoft.com/office/powerpoint/2010/main" val="2600095206"/>
+      </p:ext>
+    </p:extLst>
+  </p:cSld>
+  <p:clrMapOvr>
+    <a:masterClrMapping/>
+  </p:clrMapOvr>
+</p:sld>
+</file>
+
+<file path=ppt/slides/slide3.xml><?xml version="1.0" encoding="utf-8"?>
+<p:sld xmlns:a="http://schemas.openxmlformats.org/drawingml/2006/main" xmlns:r="http://schemas.openxmlformats.org/officeDocument/2006/relationships" xmlns:p="http://schemas.openxmlformats.org/presentationml/2006/main">
+  <p:cSld>
+    <p:spTree>
+      <p:nvGrpSpPr>
+        <p:cNvPr id="1" name=""/>
+        <p:cNvGrpSpPr/>
+        <p:nvPr/>
+      </p:nvGrpSpPr>
+      <p:grpSpPr>
+        <a:xfrm>
+          <a:off x="0" y="0"/>
+          <a:ext cx="0" cy="0"/>
+          <a:chOff x="0" y="0"/>
+          <a:chExt cx="0" cy="0"/>
+        </a:xfrm>
+      </p:grpSpPr>
+      <p:sp>
+        <p:nvSpPr>
+          <p:cNvPr id="2" name="Title 1">
+            <a:extLst>
+              <a:ext uri="{FF2B5EF4-FFF2-40B4-BE49-F238E27FC236}">
+                <a16:creationId xmlns:a16="http://schemas.microsoft.com/office/drawing/2014/main" id="{3627D50C-022A-469C-A085-D447D097A55D}"/>
+              </a:ext>
+            </a:extLst>
+          </p:cNvPr>
+          <p:cNvSpPr>
+            <a:spLocks noGrp="1"/>
+          </p:cNvSpPr>
+          <p:nvPr>
+            <p:ph type="title"/>
+          </p:nvPr>
+        </p:nvSpPr>
+        <p:spPr>
+          <a:xfrm>
+            <a:off x="838200" y="-216947"/>
+            <a:ext cx="10515600" cy="1325563"/>
+          </a:xfrm>
+        </p:spPr>
+        <p:txBody>
+          <a:bodyPr>
+            <a:normAutofit/>
+          </a:bodyPr>
+          <a:lstStyle/>
+          <a:p>
+            <a:pPr algn="ctr"/>
+            <a:r>
+              <a:rPr lang="lv-LV" sz="3600" b="1" noProof="0" dirty="0"/>
+              <a:t>Demonstrācija</a:t>
+            </a:r>
+          </a:p>
+        </p:txBody>
+      </p:sp>
+      <p:pic>
+        <p:nvPicPr>
+          <p:cNvPr id="7" name="Picture 6">
+            <a:extLst>
+              <a:ext uri="{FF2B5EF4-FFF2-40B4-BE49-F238E27FC236}">
+                <a16:creationId xmlns:a16="http://schemas.microsoft.com/office/drawing/2014/main" id="{AC14EEA9-1CC1-0940-C398-CF224A26AC0F}"/>
+              </a:ext>
+            </a:extLst>
+          </p:cNvPr>
+          <p:cNvPicPr>
+            <a:picLocks noChangeAspect="1"/>
+          </p:cNvPicPr>
+          <p:nvPr/>
+        </p:nvPicPr>
+        <p:blipFill>
+          <a:blip r:embed="rId2"/>
+          <a:stretch>
+            <a:fillRect/>
+          </a:stretch>
+        </p:blipFill>
+        <p:spPr>
+          <a:xfrm>
+            <a:off x="537049" y="3141008"/>
+            <a:ext cx="5558951" cy="3423992"/>
+          </a:xfrm>
+          <a:prstGeom prst="rect">
+            <a:avLst/>
+          </a:prstGeom>
+        </p:spPr>
+      </p:pic>
+      <p:pic>
+        <p:nvPicPr>
+          <p:cNvPr id="15" name="Picture 14">
+            <a:extLst>
+              <a:ext uri="{FF2B5EF4-FFF2-40B4-BE49-F238E27FC236}">
+                <a16:creationId xmlns:a16="http://schemas.microsoft.com/office/drawing/2014/main" id="{51C92529-9126-8109-8D52-A66D23F09DB6}"/>
+              </a:ext>
+            </a:extLst>
+          </p:cNvPr>
+          <p:cNvPicPr>
+            <a:picLocks noChangeAspect="1"/>
+          </p:cNvPicPr>
+          <p:nvPr/>
+        </p:nvPicPr>
+        <p:blipFill>
+          <a:blip r:embed="rId3"/>
+          <a:stretch>
+            <a:fillRect/>
+          </a:stretch>
+        </p:blipFill>
+        <p:spPr>
+          <a:xfrm>
+            <a:off x="6236037" y="710839"/>
+            <a:ext cx="5741954" cy="3945391"/>
+          </a:xfrm>
+          <a:prstGeom prst="rect">
+            <a:avLst/>
+          </a:prstGeom>
+        </p:spPr>
+      </p:pic>
+      <p:pic>
+        <p:nvPicPr>
+          <p:cNvPr id="23" name="Picture 22">
+            <a:extLst>
+              <a:ext uri="{FF2B5EF4-FFF2-40B4-BE49-F238E27FC236}">
+                <a16:creationId xmlns:a16="http://schemas.microsoft.com/office/drawing/2014/main" id="{2561638F-4161-4819-E717-6F7E559EB36F}"/>
+              </a:ext>
+            </a:extLst>
+          </p:cNvPr>
+          <p:cNvPicPr>
+            <a:picLocks noChangeAspect="1"/>
+          </p:cNvPicPr>
+          <p:nvPr/>
+        </p:nvPicPr>
+        <p:blipFill>
+          <a:blip r:embed="rId4"/>
+          <a:stretch>
+            <a:fillRect/>
+          </a:stretch>
+        </p:blipFill>
+        <p:spPr>
+          <a:xfrm>
+            <a:off x="279267" y="710839"/>
+            <a:ext cx="5912505" cy="2343645"/>
+          </a:xfrm>
+          <a:prstGeom prst="rect">
+            <a:avLst/>
+          </a:prstGeom>
+        </p:spPr>
+      </p:pic>
+    </p:spTree>
+    <p:extLst>
+      <p:ext uri="{BB962C8B-B14F-4D97-AF65-F5344CB8AC3E}">
+        <p14:creationId xmlns:p14="http://schemas.microsoft.com/office/powerpoint/2010/main" val="2500547576"/>
+      </p:ext>
+    </p:extLst>
+  </p:cSld>
+  <p:clrMapOvr>
+    <a:masterClrMapping/>
+  </p:clrMapOvr>
+</p:sld>
+</file>
+
+<file path=ppt/slides/slide4.xml><?xml version="1.0" encoding="utf-8"?>
+<p:sld xmlns:a="http://schemas.openxmlformats.org/drawingml/2006/main" xmlns:r="http://schemas.openxmlformats.org/officeDocument/2006/relationships" xmlns:p="http://schemas.openxmlformats.org/presentationml/2006/main">
+  <p:cSld>
+    <p:spTree>
+      <p:nvGrpSpPr>
+        <p:cNvPr id="1" name=""/>
+        <p:cNvGrpSpPr/>
+        <p:nvPr/>
+      </p:nvGrpSpPr>
+      <p:grpSpPr>
+        <a:xfrm>
+          <a:off x="0" y="0"/>
+          <a:ext cx="0" cy="0"/>
+          <a:chOff x="0" y="0"/>
+          <a:chExt cx="0" cy="0"/>
+        </a:xfrm>
+      </p:grpSpPr>
+      <p:sp>
+        <p:nvSpPr>
+          <p:cNvPr id="2" name="Title 1">
+            <a:extLst>
+              <a:ext uri="{FF2B5EF4-FFF2-40B4-BE49-F238E27FC236}">
+                <a16:creationId xmlns:a16="http://schemas.microsoft.com/office/drawing/2014/main" id="{8983CF18-9096-C17B-0258-2C7D601162AB}"/>
+              </a:ext>
+            </a:extLst>
+          </p:cNvPr>
+          <p:cNvSpPr>
+            <a:spLocks noGrp="1"/>
+          </p:cNvSpPr>
+          <p:nvPr>
+            <p:ph type="title"/>
+          </p:nvPr>
+        </p:nvSpPr>
+        <p:spPr>
+          <a:xfrm>
+            <a:off x="838200" y="127000"/>
+            <a:ext cx="10515600" cy="1325563"/>
+          </a:xfrm>
+        </p:spPr>
+        <p:txBody>
+          <a:bodyPr/>
+          <a:lstStyle/>
+          <a:p>
+            <a:pPr algn="ctr"/>
+            <a:r>
+              <a:rPr lang="lv-LV" sz="3600" b="1" noProof="0" dirty="0"/>
+              <a:t>Darāmais</a:t>
+            </a:r>
+          </a:p>
+        </p:txBody>
+      </p:sp>
+      <p:sp>
+        <p:nvSpPr>
+          <p:cNvPr id="3" name="Content Placeholder 2">
+            <a:extLst>
+              <a:ext uri="{FF2B5EF4-FFF2-40B4-BE49-F238E27FC236}">
+                <a16:creationId xmlns:a16="http://schemas.microsoft.com/office/drawing/2014/main" id="{07F0ABE4-C83F-585F-A964-869D0F8FD247}"/>
+              </a:ext>
+            </a:extLst>
+          </p:cNvPr>
+          <p:cNvSpPr>
+            <a:spLocks noGrp="1"/>
+          </p:cNvSpPr>
+          <p:nvPr>
+            <p:ph idx="1"/>
+          </p:nvPr>
+        </p:nvSpPr>
+        <p:spPr/>
+        <p:txBody>
+          <a:bodyPr/>
+          <a:lstStyle/>
+          <a:p>
+            <a:r>
+              <a:rPr lang="lv-LV" noProof="0" dirty="0"/>
+              <a:t>DB </a:t>
+            </a:r>
+            <a:r>
+              <a:rPr lang="en-US" noProof="0" dirty="0" err="1"/>
+              <a:t>uzlabošana</a:t>
+            </a:r>
+            <a:r>
+              <a:rPr lang="en-US" noProof="0" dirty="0"/>
+              <a:t> (</a:t>
+            </a:r>
+            <a:r>
+              <a:rPr lang="en-US" noProof="0" dirty="0" err="1"/>
+              <a:t>papildus</a:t>
+            </a:r>
+            <a:r>
+              <a:rPr lang="en-US" noProof="0" dirty="0"/>
+              <a:t> </a:t>
+            </a:r>
+            <a:r>
+              <a:rPr lang="en-US" noProof="0" dirty="0" err="1"/>
+              <a:t>produkti</a:t>
+            </a:r>
+            <a:r>
+              <a:rPr lang="en-US" noProof="0" dirty="0"/>
+              <a:t>, </a:t>
+            </a:r>
+            <a:r>
+              <a:rPr lang="en-US" noProof="0" dirty="0" err="1"/>
+              <a:t>receptes</a:t>
+            </a:r>
+            <a:r>
+              <a:rPr lang="en-US" noProof="0" dirty="0"/>
+              <a:t>, </a:t>
+            </a:r>
+            <a:r>
+              <a:rPr lang="en-US" noProof="0" dirty="0" err="1"/>
+              <a:t>recepšu</a:t>
+            </a:r>
+            <a:r>
+              <a:rPr lang="en-US" noProof="0" dirty="0"/>
+              <a:t> </a:t>
+            </a:r>
+            <a:r>
+              <a:rPr lang="en-US" noProof="0" dirty="0" err="1"/>
+              <a:t>kategorizēšana</a:t>
+            </a:r>
+            <a:r>
+              <a:rPr lang="en-US" noProof="0" dirty="0"/>
+              <a:t>)</a:t>
+            </a:r>
+            <a:endParaRPr lang="lv-LV" noProof="0" dirty="0"/>
+          </a:p>
+          <a:p>
+            <a:r>
+              <a:rPr lang="lv-LV" noProof="0" dirty="0"/>
+              <a:t>Lietotāja ID un </a:t>
+            </a:r>
+            <a:r>
+              <a:rPr lang="lv-LV" noProof="0" dirty="0" err="1"/>
+              <a:t>saskarnes</a:t>
+            </a:r>
+            <a:r>
+              <a:rPr lang="lv-LV" noProof="0" dirty="0"/>
+              <a:t> izveide</a:t>
+            </a:r>
+          </a:p>
+          <a:p>
+            <a:r>
+              <a:rPr lang="lv-LV" noProof="0" dirty="0"/>
+              <a:t>Atsauksmju sistēmas izveide</a:t>
+            </a:r>
+            <a:endParaRPr lang="en-US" noProof="0" dirty="0"/>
+          </a:p>
+          <a:p>
+            <a:r>
+              <a:rPr lang="en-US" noProof="0" dirty="0" err="1"/>
+              <a:t>Lietotāja</a:t>
+            </a:r>
+            <a:r>
+              <a:rPr lang="en-US" noProof="0" dirty="0"/>
+              <a:t> </a:t>
+            </a:r>
+            <a:r>
+              <a:rPr lang="en-US" noProof="0" dirty="0" err="1"/>
+              <a:t>vēlmju</a:t>
+            </a:r>
+            <a:r>
+              <a:rPr lang="en-US" noProof="0" dirty="0"/>
+              <a:t>/</a:t>
+            </a:r>
+            <a:r>
+              <a:rPr lang="en-US" noProof="0" dirty="0" err="1"/>
+              <a:t>īpašo</a:t>
+            </a:r>
+            <a:r>
+              <a:rPr lang="en-US" noProof="0" dirty="0"/>
+              <a:t> </a:t>
+            </a:r>
+            <a:r>
+              <a:rPr lang="en-US" noProof="0" dirty="0" err="1"/>
+              <a:t>vajadzību</a:t>
+            </a:r>
+            <a:r>
+              <a:rPr lang="en-US" noProof="0" dirty="0"/>
+              <a:t> </a:t>
+            </a:r>
+            <a:r>
+              <a:rPr lang="en-US" noProof="0" dirty="0" err="1"/>
+              <a:t>sistēmas</a:t>
+            </a:r>
+            <a:r>
+              <a:rPr lang="en-US" noProof="0" dirty="0"/>
+              <a:t> </a:t>
+            </a:r>
+            <a:r>
+              <a:rPr lang="en-US" noProof="0" dirty="0" err="1"/>
+              <a:t>izveide</a:t>
+            </a:r>
+            <a:endParaRPr lang="en-US" noProof="0" dirty="0"/>
+          </a:p>
+          <a:p>
+            <a:r>
+              <a:rPr lang="en-US" noProof="0" dirty="0" err="1"/>
+              <a:t>Mājaslapas</a:t>
+            </a:r>
+            <a:r>
+              <a:rPr lang="en-US" noProof="0" dirty="0"/>
+              <a:t> dizains, </a:t>
+            </a:r>
+            <a:r>
+              <a:rPr lang="en-US" noProof="0" dirty="0" err="1"/>
+              <a:t>vizualizācija</a:t>
+            </a:r>
+            <a:endParaRPr lang="en-US" noProof="0" dirty="0"/>
+          </a:p>
+          <a:p>
+            <a:endParaRPr lang="lv-LV" noProof="0" dirty="0"/>
+          </a:p>
+          <a:p>
+            <a:endParaRPr lang="lv-LV" noProof="0" dirty="0"/>
+          </a:p>
+          <a:p>
+            <a:endParaRPr lang="lv-LV" noProof="0" dirty="0"/>
+          </a:p>
+          <a:p>
+            <a:endParaRPr lang="lv-LV" noProof="0" dirty="0"/>
+          </a:p>
+        </p:txBody>
+      </p:sp>
+    </p:spTree>
+    <p:extLst>
+      <p:ext uri="{BB962C8B-B14F-4D97-AF65-F5344CB8AC3E}">
+        <p14:creationId xmlns:p14="http://schemas.microsoft.com/office/powerpoint/2010/main" val="3672860623"/>
+      </p:ext>
+    </p:extLst>
+  </p:cSld>
+  <p:clrMapOvr>
+    <a:masterClrMapping/>
+  </p:clrMapOvr>
+</p:sld>
+</file>
+
 <file path=ppt/theme/theme1.xml><?xml version="1.0" encoding="utf-8"?>
 <a:theme xmlns:a="http://schemas.openxmlformats.org/drawingml/2006/main" name="Office Theme">
   <a:themeElements>
-    <a:clrScheme name="Office">
+    <a:clrScheme name="Office Theme">
       <a:dk1>
         <a:sysClr val="windowText" lastClr="000000"/>
       </a:dk1>
@@ -4070,13 +4213,13 @@
         <a:srgbClr val="E8E8E8"/>
       </a:lt2>
       <a:accent1>
-        <a:srgbClr val="156082"/>
+        <a:srgbClr val="196B24"/>
       </a:accent1>
       <a:accent2>
-        <a:srgbClr val="E97132"/>
+        <a:srgbClr val="4EA72E"/>
       </a:accent2>
       <a:accent3>
-        <a:srgbClr val="196B24"/>
+        <a:srgbClr val="156082"/>
       </a:accent3>
       <a:accent4>
         <a:srgbClr val="0F9ED5"/>
@@ -4085,7 +4228,7 @@
         <a:srgbClr val="A02B93"/>
       </a:accent5>
       <a:accent6>
-        <a:srgbClr val="4EA72E"/>
+        <a:srgbClr val="E97132"/>
       </a:accent6>
       <a:hlink>
         <a:srgbClr val="467886"/>
@@ -4094,7 +4237,7 @@
         <a:srgbClr val="96607D"/>
       </a:folHlink>
     </a:clrScheme>
-    <a:fontScheme name="Office">
+    <a:fontScheme name="Office Theme">
       <a:majorFont>
         <a:latin typeface="Aptos Display" panose="02110004020202020204"/>
         <a:ea typeface=""/>
@@ -4200,7 +4343,7 @@
         <a:font script="Tfng" typeface="Ebrima"/>
       </a:minorFont>
     </a:fontScheme>
-    <a:fmtScheme name="Office">
+    <a:fmtScheme name="Office Theme">
       <a:fillStyleLst>
         <a:solidFill>
           <a:schemeClr val="phClr"/>
@@ -4362,8 +4505,282 @@
   <a:extraClrSchemeLst/>
   <a:extLst>
     <a:ext uri="{05A4C25C-085E-4340-85A3-A5531E510DB2}">
-      <thm15:themeFamily xmlns:thm15="http://schemas.microsoft.com/office/thememl/2012/main" name="Office Theme" id="{2E142A2C-CD16-42D6-873A-C26D2A0506FA}" vid="{1BDDFF52-6CD6-40A5-AB3C-68EB2F1E4D0A}"/>
+      <thm15:themeFamily xmlns:thm15="http://schemas.microsoft.com/office/thememl/2012/main" name="Office Theme" id="{2E142A2C-CD16-42D6-873A-C26D2A0506FA}" vid="{97E0A228-C590-4D20-B05F-A6BF04A05448}"/>
     </a:ext>
   </a:extLst>
 </a:theme>
+</file>
+
+<file path=customXml/item1.xml><?xml version="1.0" encoding="utf-8"?>
+<?mso-contentType ?>
+<FormTemplates xmlns="http://schemas.microsoft.com/sharepoint/v3/contenttype/forms">
+  <Display>DocumentLibraryForm</Display>
+  <Edit>DocumentLibraryForm</Edit>
+  <New>DocumentLibraryForm</New>
+</FormTemplates>
+</file>
+
+<file path=customXml/item2.xml><?xml version="1.0" encoding="utf-8"?>
+<ct:contentTypeSchema xmlns:ct="http://schemas.microsoft.com/office/2006/metadata/contentType" xmlns:ma="http://schemas.microsoft.com/office/2006/metadata/properties/metaAttributes" ct:_="" ma:_="" ma:contentTypeName="Document" ma:contentTypeID="0x0101009BACFADBA58EDD43A681DBECD0686E2F" ma:contentTypeVersion="12" ma:contentTypeDescription="Create a new document." ma:contentTypeScope="" ma:versionID="dc1a12b72cb1deb72762f4bf090a18be">
+  <xsd:schema xmlns:xsd="http://www.w3.org/2001/XMLSchema" xmlns:xs="http://www.w3.org/2001/XMLSchema" xmlns:p="http://schemas.microsoft.com/office/2006/metadata/properties" xmlns:ns3="16f48549-f1ae-4323-ab56-13225807d903" xmlns:ns4="13ee20ad-5502-43a6-a9c3-43f80dd47f19" targetNamespace="http://schemas.microsoft.com/office/2006/metadata/properties" ma:root="true" ma:fieldsID="a1a32f0d0b831b7440c119174ea834b7" ns3:_="" ns4:_="">
+    <xsd:import namespace="16f48549-f1ae-4323-ab56-13225807d903"/>
+    <xsd:import namespace="13ee20ad-5502-43a6-a9c3-43f80dd47f19"/>
+    <xsd:element name="properties">
+      <xsd:complexType>
+        <xsd:sequence>
+          <xsd:element name="documentManagement">
+            <xsd:complexType>
+              <xsd:all>
+                <xsd:element ref="ns3:_activity" minOccurs="0"/>
+                <xsd:element ref="ns3:MediaServiceDateTaken" minOccurs="0"/>
+                <xsd:element ref="ns4:SharedWithUsers" minOccurs="0"/>
+                <xsd:element ref="ns4:SharedWithDetails" minOccurs="0"/>
+                <xsd:element ref="ns4:SharingHintHash" minOccurs="0"/>
+                <xsd:element ref="ns3:MediaServiceMetadata" minOccurs="0"/>
+                <xsd:element ref="ns3:MediaServiceFastMetadata" minOccurs="0"/>
+                <xsd:element ref="ns3:MediaServiceSearchProperties" minOccurs="0"/>
+                <xsd:element ref="ns3:MediaServiceObjectDetectorVersions" minOccurs="0"/>
+                <xsd:element ref="ns3:MediaServiceSystemTags" minOccurs="0"/>
+                <xsd:element ref="ns3:MediaServiceGenerationTime" minOccurs="0"/>
+                <xsd:element ref="ns3:MediaServiceEventHashCode" minOccurs="0"/>
+              </xsd:all>
+            </xsd:complexType>
+          </xsd:element>
+        </xsd:sequence>
+      </xsd:complexType>
+    </xsd:element>
+  </xsd:schema>
+  <xsd:schema xmlns:xsd="http://www.w3.org/2001/XMLSchema" xmlns:xs="http://www.w3.org/2001/XMLSchema" xmlns:dms="http://schemas.microsoft.com/office/2006/documentManagement/types" xmlns:pc="http://schemas.microsoft.com/office/infopath/2007/PartnerControls" targetNamespace="16f48549-f1ae-4323-ab56-13225807d903" elementFormDefault="qualified">
+    <xsd:import namespace="http://schemas.microsoft.com/office/2006/documentManagement/types"/>
+    <xsd:import namespace="http://schemas.microsoft.com/office/infopath/2007/PartnerControls"/>
+    <xsd:element name="_activity" ma:index="8" nillable="true" ma:displayName="_activity" ma:hidden="true" ma:internalName="_activity">
+      <xsd:simpleType>
+        <xsd:restriction base="dms:Note"/>
+      </xsd:simpleType>
+    </xsd:element>
+    <xsd:element name="MediaServiceDateTaken" ma:index="9" nillable="true" ma:displayName="MediaServiceDateTaken" ma:hidden="true" ma:indexed="true" ma:internalName="MediaServiceDateTaken" ma:readOnly="true">
+      <xsd:simpleType>
+        <xsd:restriction base="dms:Text"/>
+      </xsd:simpleType>
+    </xsd:element>
+    <xsd:element name="MediaServiceMetadata" ma:index="13" nillable="true" ma:displayName="MediaServiceMetadata" ma:hidden="true" ma:internalName="MediaServiceMetadata" ma:readOnly="true">
+      <xsd:simpleType>
+        <xsd:restriction base="dms:Note"/>
+      </xsd:simpleType>
+    </xsd:element>
+    <xsd:element name="MediaServiceFastMetadata" ma:index="14" nillable="true" ma:displayName="MediaServiceFastMetadata" ma:hidden="true" ma:internalName="MediaServiceFastMetadata" ma:readOnly="true">
+      <xsd:simpleType>
+        <xsd:restriction base="dms:Note"/>
+      </xsd:simpleType>
+    </xsd:element>
+    <xsd:element name="MediaServiceSearchProperties" ma:index="15" nillable="true" ma:displayName="MediaServiceSearchProperties" ma:hidden="true" ma:internalName="MediaServiceSearchProperties" ma:readOnly="true">
+      <xsd:simpleType>
+        <xsd:restriction base="dms:Note"/>
+      </xsd:simpleType>
+    </xsd:element>
+    <xsd:element name="MediaServiceObjectDetectorVersions" ma:index="16" nillable="true" ma:displayName="MediaServiceObjectDetectorVersions" ma:hidden="true" ma:indexed="true" ma:internalName="MediaServiceObjectDetectorVersions" ma:readOnly="true">
+      <xsd:simpleType>
+        <xsd:restriction base="dms:Text"/>
+      </xsd:simpleType>
+    </xsd:element>
+    <xsd:element name="MediaServiceSystemTags" ma:index="17" nillable="true" ma:displayName="MediaServiceSystemTags" ma:hidden="true" ma:internalName="MediaServiceSystemTags" ma:readOnly="true">
+      <xsd:simpleType>
+        <xsd:restriction base="dms:Note"/>
+      </xsd:simpleType>
+    </xsd:element>
+    <xsd:element name="MediaServiceGenerationTime" ma:index="18" nillable="true" ma:displayName="MediaServiceGenerationTime" ma:hidden="true" ma:internalName="MediaServiceGenerationTime" ma:readOnly="true">
+      <xsd:simpleType>
+        <xsd:restriction base="dms:Text"/>
+      </xsd:simpleType>
+    </xsd:element>
+    <xsd:element name="MediaServiceEventHashCode" ma:index="19" nillable="true" ma:displayName="MediaServiceEventHashCode" ma:hidden="true" ma:internalName="MediaServiceEventHashCode" ma:readOnly="true">
+      <xsd:simpleType>
+        <xsd:restriction base="dms:Text"/>
+      </xsd:simpleType>
+    </xsd:element>
+  </xsd:schema>
+  <xsd:schema xmlns:xsd="http://www.w3.org/2001/XMLSchema" xmlns:xs="http://www.w3.org/2001/XMLSchema" xmlns:dms="http://schemas.microsoft.com/office/2006/documentManagement/types" xmlns:pc="http://schemas.microsoft.com/office/infopath/2007/PartnerControls" targetNamespace="13ee20ad-5502-43a6-a9c3-43f80dd47f19" elementFormDefault="qualified">
+    <xsd:import namespace="http://schemas.microsoft.com/office/2006/documentManagement/types"/>
+    <xsd:import namespace="http://schemas.microsoft.com/office/infopath/2007/PartnerControls"/>
+    <xsd:element name="SharedWithUsers" ma:index="10" nillable="true" ma:displayName="Shared With" ma:internalName="SharedWithUsers" ma:readOnly="true">
+      <xsd:complexType>
+        <xsd:complexContent>
+          <xsd:extension base="dms:UserMulti">
+            <xsd:sequence>
+              <xsd:element name="UserInfo" minOccurs="0" maxOccurs="unbounded">
+                <xsd:complexType>
+                  <xsd:sequence>
+                    <xsd:element name="DisplayName" type="xsd:string" minOccurs="0"/>
+                    <xsd:element name="AccountId" type="dms:UserId" minOccurs="0" nillable="true"/>
+                    <xsd:element name="AccountType" type="xsd:string" minOccurs="0"/>
+                  </xsd:sequence>
+                </xsd:complexType>
+              </xsd:element>
+            </xsd:sequence>
+          </xsd:extension>
+        </xsd:complexContent>
+      </xsd:complexType>
+    </xsd:element>
+    <xsd:element name="SharedWithDetails" ma:index="11" nillable="true" ma:displayName="Shared With Details" ma:internalName="SharedWithDetails" ma:readOnly="true">
+      <xsd:simpleType>
+        <xsd:restriction base="dms:Note">
+          <xsd:maxLength value="255"/>
+        </xsd:restriction>
+      </xsd:simpleType>
+    </xsd:element>
+    <xsd:element name="SharingHintHash" ma:index="12" nillable="true" ma:displayName="Sharing Hint Hash" ma:hidden="true" ma:internalName="SharingHintHash" ma:readOnly="true">
+      <xsd:simpleType>
+        <xsd:restriction base="dms:Text"/>
+      </xsd:simpleType>
+    </xsd:element>
+  </xsd:schema>
+  <xsd:schema xmlns="http://schemas.openxmlformats.org/package/2006/metadata/core-properties" xmlns:xsd="http://www.w3.org/2001/XMLSchema" xmlns:xsi="http://www.w3.org/2001/XMLSchema-instance" xmlns:dc="http://purl.org/dc/elements/1.1/" xmlns:dcterms="http://purl.org/dc/terms/" xmlns:odoc="http://schemas.microsoft.com/internal/obd" targetNamespace="http://schemas.openxmlformats.org/package/2006/metadata/core-properties" elementFormDefault="qualified" attributeFormDefault="unqualified" blockDefault="#all">
+    <xsd:import namespace="http://purl.org/dc/elements/1.1/" schemaLocation="http://dublincore.org/schemas/xmls/qdc/2003/04/02/dc.xsd"/>
+    <xsd:import namespace="http://purl.org/dc/terms/" schemaLocation="http://dublincore.org/schemas/xmls/qdc/2003/04/02/dcterms.xsd"/>
+    <xsd:element name="coreProperties" type="CT_coreProperties"/>
+    <xsd:complexType name="CT_coreProperties">
+      <xsd:all>
+        <xsd:element ref="dc:creator" minOccurs="0" maxOccurs="1"/>
+        <xsd:element ref="dcterms:created" minOccurs="0" maxOccurs="1"/>
+        <xsd:element ref="dc:identifier" minOccurs="0" maxOccurs="1"/>
+        <xsd:element name="contentType" minOccurs="0" maxOccurs="1" type="xsd:string" ma:index="0" ma:displayName="Content Type"/>
+        <xsd:element ref="dc:title" minOccurs="0" maxOccurs="1" ma:index="4" ma:displayName="Title"/>
+        <xsd:element ref="dc:subject" minOccurs="0" maxOccurs="1"/>
+        <xsd:element ref="dc:description" minOccurs="0" maxOccurs="1"/>
+        <xsd:element name="keywords" minOccurs="0" maxOccurs="1" type="xsd:string"/>
+        <xsd:element ref="dc:language" minOccurs="0" maxOccurs="1"/>
+        <xsd:element name="category" minOccurs="0" maxOccurs="1" type="xsd:string"/>
+        <xsd:element name="version" minOccurs="0" maxOccurs="1" type="xsd:string"/>
+        <xsd:element name="revision" minOccurs="0" maxOccurs="1" type="xsd:string">
+          <xsd:annotation>
+            <xsd:documentation>
+                        This value indicates the number of saves or revisions. The application is responsible for updating this value after each revision.
+                    </xsd:documentation>
+          </xsd:annotation>
+        </xsd:element>
+        <xsd:element name="lastModifiedBy" minOccurs="0" maxOccurs="1" type="xsd:string"/>
+        <xsd:element ref="dcterms:modified" minOccurs="0" maxOccurs="1"/>
+        <xsd:element name="contentStatus" minOccurs="0" maxOccurs="1" type="xsd:string"/>
+      </xsd:all>
+    </xsd:complexType>
+  </xsd:schema>
+  <xs:schema xmlns:pc="http://schemas.microsoft.com/office/infopath/2007/PartnerControls" xmlns:xs="http://www.w3.org/2001/XMLSchema" targetNamespace="http://schemas.microsoft.com/office/infopath/2007/PartnerControls" elementFormDefault="qualified" attributeFormDefault="unqualified">
+    <xs:element name="Person">
+      <xs:complexType>
+        <xs:sequence>
+          <xs:element ref="pc:DisplayName" minOccurs="0"/>
+          <xs:element ref="pc:AccountId" minOccurs="0"/>
+          <xs:element ref="pc:AccountType" minOccurs="0"/>
+        </xs:sequence>
+      </xs:complexType>
+    </xs:element>
+    <xs:element name="DisplayName" type="xs:string"/>
+    <xs:element name="AccountId" type="xs:string"/>
+    <xs:element name="AccountType" type="xs:string"/>
+    <xs:element name="BDCAssociatedEntity">
+      <xs:complexType>
+        <xs:sequence>
+          <xs:element ref="pc:BDCEntity" minOccurs="0" maxOccurs="unbounded"/>
+        </xs:sequence>
+        <xs:attribute ref="pc:EntityNamespace"/>
+        <xs:attribute ref="pc:EntityName"/>
+        <xs:attribute ref="pc:SystemInstanceName"/>
+        <xs:attribute ref="pc:AssociationName"/>
+      </xs:complexType>
+    </xs:element>
+    <xs:attribute name="EntityNamespace" type="xs:string"/>
+    <xs:attribute name="EntityName" type="xs:string"/>
+    <xs:attribute name="SystemInstanceName" type="xs:string"/>
+    <xs:attribute name="AssociationName" type="xs:string"/>
+    <xs:element name="BDCEntity">
+      <xs:complexType>
+        <xs:sequence>
+          <xs:element ref="pc:EntityDisplayName" minOccurs="0"/>
+          <xs:element ref="pc:EntityInstanceReference" minOccurs="0"/>
+          <xs:element ref="pc:EntityId1" minOccurs="0"/>
+          <xs:element ref="pc:EntityId2" minOccurs="0"/>
+          <xs:element ref="pc:EntityId3" minOccurs="0"/>
+          <xs:element ref="pc:EntityId4" minOccurs="0"/>
+          <xs:element ref="pc:EntityId5" minOccurs="0"/>
+        </xs:sequence>
+      </xs:complexType>
+    </xs:element>
+    <xs:element name="EntityDisplayName" type="xs:string"/>
+    <xs:element name="EntityInstanceReference" type="xs:string"/>
+    <xs:element name="EntityId1" type="xs:string"/>
+    <xs:element name="EntityId2" type="xs:string"/>
+    <xs:element name="EntityId3" type="xs:string"/>
+    <xs:element name="EntityId4" type="xs:string"/>
+    <xs:element name="EntityId5" type="xs:string"/>
+    <xs:element name="Terms">
+      <xs:complexType>
+        <xs:sequence>
+          <xs:element ref="pc:TermInfo" minOccurs="0" maxOccurs="unbounded"/>
+        </xs:sequence>
+      </xs:complexType>
+    </xs:element>
+    <xs:element name="TermInfo">
+      <xs:complexType>
+        <xs:sequence>
+          <xs:element ref="pc:TermName" minOccurs="0"/>
+          <xs:element ref="pc:TermId" minOccurs="0"/>
+        </xs:sequence>
+      </xs:complexType>
+    </xs:element>
+    <xs:element name="TermName" type="xs:string"/>
+    <xs:element name="TermId" type="xs:string"/>
+  </xs:schema>
+</ct:contentTypeSchema>
+</file>
+
+<file path=customXml/item3.xml><?xml version="1.0" encoding="utf-8"?>
+<p:properties xmlns:p="http://schemas.microsoft.com/office/2006/metadata/properties" xmlns:xsi="http://www.w3.org/2001/XMLSchema-instance" xmlns:pc="http://schemas.microsoft.com/office/infopath/2007/PartnerControls">
+  <documentManagement>
+    <_activity xmlns="16f48549-f1ae-4323-ab56-13225807d903" xsi:nil="true"/>
+  </documentManagement>
+</p:properties>
+</file>
+
+<file path=customXml/itemProps1.xml><?xml version="1.0" encoding="utf-8"?>
+<ds:datastoreItem xmlns:ds="http://schemas.openxmlformats.org/officeDocument/2006/customXml" ds:itemID="{9E2B1382-37D0-4FDD-A59B-AA1520E24CE9}">
+  <ds:schemaRefs>
+    <ds:schemaRef ds:uri="http://schemas.microsoft.com/sharepoint/v3/contenttype/forms"/>
+  </ds:schemaRefs>
+</ds:datastoreItem>
+</file>
+
+<file path=customXml/itemProps2.xml><?xml version="1.0" encoding="utf-8"?>
+<ds:datastoreItem xmlns:ds="http://schemas.openxmlformats.org/officeDocument/2006/customXml" ds:itemID="{AFC385EC-154A-49A1-B6DD-CC84C45C16F7}">
+  <ds:schemaRefs>
+    <ds:schemaRef ds:uri="http://schemas.microsoft.com/office/2006/metadata/contentType"/>
+    <ds:schemaRef ds:uri="http://schemas.microsoft.com/office/2006/metadata/properties/metaAttributes"/>
+    <ds:schemaRef ds:uri="http://www.w3.org/2001/XMLSchema"/>
+    <ds:schemaRef ds:uri="http://schemas.microsoft.com/office/2006/metadata/properties"/>
+    <ds:schemaRef ds:uri="16f48549-f1ae-4323-ab56-13225807d903"/>
+    <ds:schemaRef ds:uri="13ee20ad-5502-43a6-a9c3-43f80dd47f19"/>
+    <ds:schemaRef ds:uri="http://schemas.microsoft.com/office/2006/documentManagement/types"/>
+    <ds:schemaRef ds:uri="http://schemas.microsoft.com/office/infopath/2007/PartnerControls"/>
+    <ds:schemaRef ds:uri="http://schemas.openxmlformats.org/package/2006/metadata/core-properties"/>
+    <ds:schemaRef ds:uri="http://purl.org/dc/elements/1.1/"/>
+    <ds:schemaRef ds:uri="http://purl.org/dc/terms/"/>
+    <ds:schemaRef ds:uri="http://schemas.microsoft.com/internal/obd"/>
+  </ds:schemaRefs>
+</ds:datastoreItem>
+</file>
+
+<file path=customXml/itemProps3.xml><?xml version="1.0" encoding="utf-8"?>
+<ds:datastoreItem xmlns:ds="http://schemas.openxmlformats.org/officeDocument/2006/customXml" ds:itemID="{6AC837FD-8C99-4961-A260-D242A9FD2190}">
+  <ds:schemaRefs>
+    <ds:schemaRef ds:uri="http://schemas.microsoft.com/office/infopath/2007/PartnerControls"/>
+    <ds:schemaRef ds:uri="http://purl.org/dc/dcmitype/"/>
+    <ds:schemaRef ds:uri="http://purl.org/dc/terms/"/>
+    <ds:schemaRef ds:uri="http://schemas.microsoft.com/office/2006/metadata/properties"/>
+    <ds:schemaRef ds:uri="http://schemas.microsoft.com/office/2006/documentManagement/types"/>
+    <ds:schemaRef ds:uri="http://purl.org/dc/elements/1.1/"/>
+    <ds:schemaRef ds:uri="16f48549-f1ae-4323-ab56-13225807d903"/>
+    <ds:schemaRef ds:uri="http://schemas.openxmlformats.org/package/2006/metadata/core-properties"/>
+    <ds:schemaRef ds:uri="13ee20ad-5502-43a6-a9c3-43f80dd47f19"/>
+    <ds:schemaRef ds:uri="http://www.w3.org/XML/1998/namespace"/>
+  </ds:schemaRefs>
+</ds:datastoreItem>
 </file>